--- a/课件/尚硅谷_韩顺平_Scala核心编程_第02章_变量.pptx
+++ b/课件/尚硅谷_韩顺平_Scala核心编程_第02章_变量.pptx
@@ -145,7 +145,7 @@
   </p:defaultTextStyle>
   <p:extLst>
     <p:ext uri="{EFAFB233-063F-42B5-8137-9DF3F51BA10A}">
-      <p15:sldGuideLst xmlns:p15="http://schemas.microsoft.com/office/powerpoint/2012/main" xmlns="">
+      <p15:sldGuideLst xmlns="" xmlns:p15="http://schemas.microsoft.com/office/powerpoint/2012/main">
         <p15:guide id="1" orient="horz" pos="1620">
           <p15:clr>
             <a:srgbClr val="A4A3A4"/>
@@ -159,7 +159,7 @@
       </p15:sldGuideLst>
     </p:ext>
     <p:ext uri="{2D200454-40CA-4A62-9FC3-DE9A4176ACB9}">
-      <p15:notesGuideLst xmlns:p15="http://schemas.microsoft.com/office/powerpoint/2012/main" xmlns="">
+      <p15:notesGuideLst xmlns="" xmlns:p15="http://schemas.microsoft.com/office/powerpoint/2012/main">
         <p15:guide id="1" orient="horz" pos="2880">
           <p15:clr>
             <a:srgbClr val="A4A3A4"/>
@@ -259,7 +259,7 @@
             <a:fld id="{227C71FD-8420-4899-BF84-E316838BC28C}" type="datetimeFigureOut">
               <a:rPr lang="zh-CN" altLang="en-US" smtClean="0"/>
               <a:pPr/>
-              <a:t>2018/11/12</a:t>
+              <a:t>2021/3/14</a:t>
             </a:fld>
             <a:endParaRPr lang="zh-CN" altLang="en-US"/>
           </a:p>
@@ -426,7 +426,7 @@
             <a:fld id="{D8485306-80E6-4960-AFD0-CFA0BBF19A9D}" type="datetimeFigureOut">
               <a:rPr lang="zh-CN" altLang="en-US" smtClean="0"/>
               <a:pPr/>
-              <a:t>2018/11/12</a:t>
+              <a:t>2021/3/14</a:t>
             </a:fld>
             <a:endParaRPr lang="zh-CN" altLang="en-US"/>
           </a:p>
@@ -15361,7 +15361,7 @@
             <a:fld id="{530820CF-B880-4189-942D-D702A7CBA730}" type="datetimeFigureOut">
               <a:rPr lang="zh-CN" altLang="en-US" smtClean="0"/>
               <a:pPr/>
-              <a:t>2018/11/12</a:t>
+              <a:t>2021/3/14</a:t>
             </a:fld>
             <a:endParaRPr lang="zh-CN" altLang="en-US"/>
           </a:p>
@@ -15528,7 +15528,7 @@
             <a:fld id="{530820CF-B880-4189-942D-D702A7CBA730}" type="datetimeFigureOut">
               <a:rPr lang="zh-CN" altLang="en-US" smtClean="0"/>
               <a:pPr/>
-              <a:t>2018/11/12</a:t>
+              <a:t>2021/3/14</a:t>
             </a:fld>
             <a:endParaRPr lang="zh-CN" altLang="en-US"/>
           </a:p>
@@ -15705,7 +15705,7 @@
             <a:fld id="{530820CF-B880-4189-942D-D702A7CBA730}" type="datetimeFigureOut">
               <a:rPr lang="zh-CN" altLang="en-US" smtClean="0"/>
               <a:pPr/>
-              <a:t>2018/11/12</a:t>
+              <a:t>2021/3/14</a:t>
             </a:fld>
             <a:endParaRPr lang="zh-CN" altLang="en-US"/>
           </a:p>
@@ -15872,7 +15872,7 @@
             <a:fld id="{530820CF-B880-4189-942D-D702A7CBA730}" type="datetimeFigureOut">
               <a:rPr lang="zh-CN" altLang="en-US" smtClean="0"/>
               <a:pPr/>
-              <a:t>2018/11/12</a:t>
+              <a:t>2021/3/14</a:t>
             </a:fld>
             <a:endParaRPr lang="zh-CN" altLang="en-US"/>
           </a:p>
@@ -16115,7 +16115,7 @@
             <a:fld id="{530820CF-B880-4189-942D-D702A7CBA730}" type="datetimeFigureOut">
               <a:rPr lang="zh-CN" altLang="en-US" smtClean="0"/>
               <a:pPr/>
-              <a:t>2018/11/12</a:t>
+              <a:t>2021/3/14</a:t>
             </a:fld>
             <a:endParaRPr lang="zh-CN" altLang="en-US"/>
           </a:p>
@@ -16400,7 +16400,7 @@
             <a:fld id="{530820CF-B880-4189-942D-D702A7CBA730}" type="datetimeFigureOut">
               <a:rPr lang="zh-CN" altLang="en-US" smtClean="0"/>
               <a:pPr/>
-              <a:t>2018/11/12</a:t>
+              <a:t>2021/3/14</a:t>
             </a:fld>
             <a:endParaRPr lang="zh-CN" altLang="en-US"/>
           </a:p>
@@ -16819,7 +16819,7 @@
             <a:fld id="{530820CF-B880-4189-942D-D702A7CBA730}" type="datetimeFigureOut">
               <a:rPr lang="zh-CN" altLang="en-US" smtClean="0"/>
               <a:pPr/>
-              <a:t>2018/11/12</a:t>
+              <a:t>2021/3/14</a:t>
             </a:fld>
             <a:endParaRPr lang="zh-CN" altLang="en-US"/>
           </a:p>
@@ -16934,7 +16934,7 @@
             <a:fld id="{530820CF-B880-4189-942D-D702A7CBA730}" type="datetimeFigureOut">
               <a:rPr lang="zh-CN" altLang="en-US" smtClean="0"/>
               <a:pPr/>
-              <a:t>2018/11/12</a:t>
+              <a:t>2021/3/14</a:t>
             </a:fld>
             <a:endParaRPr lang="zh-CN" altLang="en-US"/>
           </a:p>
@@ -17026,7 +17026,7 @@
             <a:fld id="{530820CF-B880-4189-942D-D702A7CBA730}" type="datetimeFigureOut">
               <a:rPr lang="zh-CN" altLang="en-US" smtClean="0"/>
               <a:pPr/>
-              <a:t>2018/11/12</a:t>
+              <a:t>2021/3/14</a:t>
             </a:fld>
             <a:endParaRPr lang="zh-CN" altLang="en-US"/>
           </a:p>
@@ -17300,7 +17300,7 @@
             <a:fld id="{530820CF-B880-4189-942D-D702A7CBA730}" type="datetimeFigureOut">
               <a:rPr lang="zh-CN" altLang="en-US" smtClean="0"/>
               <a:pPr/>
-              <a:t>2018/11/12</a:t>
+              <a:t>2021/3/14</a:t>
             </a:fld>
             <a:endParaRPr lang="zh-CN" altLang="en-US"/>
           </a:p>
@@ -17550,7 +17550,7 @@
             <a:fld id="{530820CF-B880-4189-942D-D702A7CBA730}" type="datetimeFigureOut">
               <a:rPr lang="zh-CN" altLang="en-US" smtClean="0"/>
               <a:pPr/>
-              <a:t>2018/11/12</a:t>
+              <a:t>2021/3/14</a:t>
             </a:fld>
             <a:endParaRPr lang="zh-CN" altLang="en-US"/>
           </a:p>
@@ -17769,7 +17769,7 @@
             <a:fld id="{530820CF-B880-4189-942D-D702A7CBA730}" type="datetimeFigureOut">
               <a:rPr lang="zh-CN" altLang="en-US" smtClean="0"/>
               <a:pPr/>
-              <a:t>2018/11/12</a:t>
+              <a:t>2021/3/14</a:t>
             </a:fld>
             <a:endParaRPr lang="zh-CN" altLang="en-US"/>
           </a:p>
@@ -19466,7 +19466,7 @@
                     <a:p>
                       <a:pPr algn="l" fontAlgn="t"/>
                       <a:r>
-                        <a:rPr lang="zh-CN" altLang="en-US" sz="1100">
+                        <a:rPr lang="zh-CN" altLang="en-US" sz="1100" dirty="0">
                           <a:solidFill>
                             <a:srgbClr val="FFFFFF"/>
                           </a:solidFill>
@@ -19586,7 +19586,7 @@
                     <a:p>
                       <a:pPr fontAlgn="t"/>
                       <a:r>
-                        <a:rPr lang="en-US" sz="1100">
+                        <a:rPr lang="en-US" sz="1100" dirty="0">
                           <a:effectLst/>
                         </a:rPr>
                         <a:t>Byte</a:t>
@@ -19724,7 +19724,7 @@
                     <a:p>
                       <a:pPr fontAlgn="t"/>
                       <a:r>
-                        <a:rPr lang="en-US" sz="1100">
+                        <a:rPr lang="en-US" sz="1100" dirty="0">
                           <a:effectLst/>
                         </a:rPr>
                         <a:t>Short</a:t>
@@ -19862,7 +19862,7 @@
                     <a:p>
                       <a:pPr fontAlgn="t"/>
                       <a:r>
-                        <a:rPr lang="en-US" sz="1100">
+                        <a:rPr lang="en-US" sz="1100" dirty="0">
                           <a:effectLst/>
                         </a:rPr>
                         <a:t>Int</a:t>
@@ -19918,31 +19918,31 @@
                     <a:p>
                       <a:pPr fontAlgn="t"/>
                       <a:r>
-                        <a:rPr lang="en-US" altLang="zh-CN" sz="1100">
+                        <a:rPr lang="en-US" altLang="zh-CN" sz="1100" dirty="0">
                           <a:effectLst/>
                         </a:rPr>
                         <a:t>32</a:t>
                       </a:r>
                       <a:r>
-                        <a:rPr lang="zh-CN" altLang="en-US" sz="1100">
+                        <a:rPr lang="zh-CN" altLang="en-US" sz="1100" dirty="0">
                           <a:effectLst/>
                         </a:rPr>
                         <a:t>位有符号补码整数。数值区间为 </a:t>
                       </a:r>
                       <a:r>
-                        <a:rPr lang="en-US" altLang="zh-CN" sz="1100">
+                        <a:rPr lang="en-US" altLang="zh-CN" sz="1100" dirty="0">
                           <a:effectLst/>
                         </a:rPr>
                         <a:t>-2147483648 </a:t>
                       </a:r>
                       <a:r>
-                        <a:rPr lang="zh-CN" altLang="en-US" sz="1100">
+                        <a:rPr lang="zh-CN" altLang="en-US" sz="1100" dirty="0">
                           <a:effectLst/>
                         </a:rPr>
                         <a:t>到 </a:t>
                       </a:r>
                       <a:r>
-                        <a:rPr lang="en-US" altLang="zh-CN" sz="1100">
+                        <a:rPr lang="en-US" altLang="zh-CN" sz="1100" dirty="0">
                           <a:effectLst/>
                         </a:rPr>
                         <a:t>2147483647</a:t>
@@ -20056,31 +20056,31 @@
                     <a:p>
                       <a:pPr fontAlgn="t"/>
                       <a:r>
-                        <a:rPr lang="en-US" altLang="zh-CN" sz="1100">
+                        <a:rPr lang="en-US" altLang="zh-CN" sz="1100" dirty="0">
                           <a:effectLst/>
                         </a:rPr>
                         <a:t>64</a:t>
                       </a:r>
                       <a:r>
-                        <a:rPr lang="zh-CN" altLang="en-US" sz="1100">
+                        <a:rPr lang="zh-CN" altLang="en-US" sz="1100" dirty="0">
                           <a:effectLst/>
                         </a:rPr>
                         <a:t>位有符号补码整数。数值区间为 </a:t>
                       </a:r>
                       <a:r>
-                        <a:rPr lang="en-US" altLang="zh-CN" sz="1100">
+                        <a:rPr lang="en-US" altLang="zh-CN" sz="1100" dirty="0">
                           <a:effectLst/>
                         </a:rPr>
                         <a:t>-9223372036854775808 </a:t>
                       </a:r>
                       <a:r>
-                        <a:rPr lang="zh-CN" altLang="en-US" sz="1100">
+                        <a:rPr lang="zh-CN" altLang="en-US" sz="1100" dirty="0">
                           <a:effectLst/>
                         </a:rPr>
                         <a:t>到 </a:t>
                       </a:r>
                       <a:r>
-                        <a:rPr lang="en-US" altLang="zh-CN" sz="1100">
+                        <a:rPr lang="en-US" altLang="zh-CN" sz="1100" dirty="0">
                           <a:effectLst/>
                         </a:rPr>
                         <a:t>9223372036854775807</a:t>
@@ -20194,31 +20194,31 @@
                     <a:p>
                       <a:pPr fontAlgn="t"/>
                       <a:r>
-                        <a:rPr lang="en-US" altLang="zh-CN" sz="1100">
+                        <a:rPr lang="en-US" altLang="zh-CN" sz="1100" dirty="0">
                           <a:effectLst/>
                         </a:rPr>
                         <a:t>32 </a:t>
                       </a:r>
                       <a:r>
-                        <a:rPr lang="zh-CN" altLang="en-US" sz="1100">
+                        <a:rPr lang="zh-CN" altLang="en-US" sz="1100" dirty="0">
                           <a:effectLst/>
                         </a:rPr>
                         <a:t>位</a:t>
                       </a:r>
                       <a:r>
-                        <a:rPr lang="en-US" altLang="zh-CN" sz="1100">
+                        <a:rPr lang="en-US" altLang="zh-CN" sz="1100" dirty="0">
                           <a:effectLst/>
                         </a:rPr>
                         <a:t>, </a:t>
                       </a:r>
                       <a:r>
-                        <a:rPr lang="en-US" sz="1100">
+                        <a:rPr lang="en-US" sz="1100" dirty="0">
                           <a:effectLst/>
                         </a:rPr>
                         <a:t>IEEE 754</a:t>
                       </a:r>
                       <a:r>
-                        <a:rPr lang="zh-CN" altLang="en-US" sz="1100">
+                        <a:rPr lang="zh-CN" altLang="en-US" sz="1100" dirty="0">
                           <a:effectLst/>
                         </a:rPr>
                         <a:t>标准的单精度浮点数</a:t>
@@ -20332,37 +20332,37 @@
                     <a:p>
                       <a:pPr fontAlgn="t"/>
                       <a:r>
-                        <a:rPr lang="en-US" altLang="zh-CN" sz="1100" smtClean="0">
+                        <a:rPr lang="en-US" altLang="zh-CN" sz="1100" dirty="0" smtClean="0">
                           <a:effectLst/>
                         </a:rPr>
                         <a:t>64 </a:t>
                       </a:r>
                       <a:r>
-                        <a:rPr lang="zh-CN" altLang="en-US" sz="1100">
+                        <a:rPr lang="zh-CN" altLang="en-US" sz="1100" dirty="0">
                           <a:effectLst/>
                         </a:rPr>
                         <a:t>位 </a:t>
                       </a:r>
                       <a:r>
-                        <a:rPr lang="en-US" sz="1100">
+                        <a:rPr lang="en-US" sz="1100" dirty="0">
                           <a:effectLst/>
                         </a:rPr>
                         <a:t>IEEE 754</a:t>
                       </a:r>
                       <a:r>
-                        <a:rPr lang="zh-CN" altLang="en-US" sz="1100">
+                        <a:rPr lang="zh-CN" altLang="en-US" sz="1100" dirty="0">
                           <a:effectLst/>
                         </a:rPr>
                         <a:t>标准</a:t>
                       </a:r>
                       <a:r>
-                        <a:rPr lang="zh-CN" altLang="en-US" sz="1100" smtClean="0">
+                        <a:rPr lang="zh-CN" altLang="en-US" sz="1100" dirty="0" smtClean="0">
                           <a:effectLst/>
                         </a:rPr>
                         <a:t>的双精</a:t>
                       </a:r>
                       <a:r>
-                        <a:rPr lang="zh-CN" altLang="en-US" sz="1100">
+                        <a:rPr lang="zh-CN" altLang="en-US" sz="1100" dirty="0">
                           <a:effectLst/>
                         </a:rPr>
                         <a:t>度浮点数</a:t>
@@ -20476,55 +20476,55 @@
                     <a:p>
                       <a:pPr fontAlgn="t"/>
                       <a:r>
-                        <a:rPr lang="en-US" altLang="zh-CN" sz="1100">
+                        <a:rPr lang="en-US" altLang="zh-CN" sz="1100" dirty="0">
                           <a:effectLst/>
                         </a:rPr>
                         <a:t>16</a:t>
                       </a:r>
                       <a:r>
-                        <a:rPr lang="zh-CN" altLang="en-US" sz="1100">
+                        <a:rPr lang="zh-CN" altLang="en-US" sz="1100" dirty="0">
                           <a:effectLst/>
                         </a:rPr>
                         <a:t>位无符号</a:t>
                       </a:r>
                       <a:r>
-                        <a:rPr lang="en-US" sz="1100">
+                        <a:rPr lang="en-US" sz="1100" dirty="0">
                           <a:effectLst/>
                         </a:rPr>
                         <a:t>Unicode</a:t>
                       </a:r>
                       <a:r>
-                        <a:rPr lang="zh-CN" altLang="en-US" sz="1100">
+                        <a:rPr lang="zh-CN" altLang="en-US" sz="1100" dirty="0">
                           <a:effectLst/>
                         </a:rPr>
                         <a:t>字符</a:t>
                       </a:r>
                       <a:r>
-                        <a:rPr lang="en-US" altLang="zh-CN" sz="1100">
+                        <a:rPr lang="en-US" altLang="zh-CN" sz="1100" dirty="0">
                           <a:effectLst/>
                         </a:rPr>
                         <a:t>, </a:t>
                       </a:r>
                       <a:r>
-                        <a:rPr lang="zh-CN" altLang="en-US" sz="1100">
+                        <a:rPr lang="zh-CN" altLang="en-US" sz="1100" dirty="0">
                           <a:effectLst/>
                         </a:rPr>
                         <a:t>区间值为 </a:t>
                       </a:r>
                       <a:r>
-                        <a:rPr lang="en-US" sz="1100">
+                        <a:rPr lang="en-US" sz="1100" dirty="0">
                           <a:effectLst/>
                         </a:rPr>
                         <a:t>U+0000 </a:t>
                       </a:r>
                       <a:r>
-                        <a:rPr lang="zh-CN" altLang="en-US" sz="1100">
+                        <a:rPr lang="zh-CN" altLang="en-US" sz="1100" dirty="0">
                           <a:effectLst/>
                         </a:rPr>
                         <a:t>到 </a:t>
                       </a:r>
                       <a:r>
-                        <a:rPr lang="en-US" sz="1100">
+                        <a:rPr lang="en-US" sz="1100" dirty="0">
                           <a:effectLst/>
                         </a:rPr>
                         <a:t>U+FFFF</a:t>
@@ -20638,7 +20638,7 @@
                     <a:p>
                       <a:pPr fontAlgn="t"/>
                       <a:r>
-                        <a:rPr lang="zh-CN" altLang="en-US" sz="1100">
+                        <a:rPr lang="zh-CN" altLang="en-US" sz="1100" dirty="0">
                           <a:effectLst/>
                         </a:rPr>
                         <a:t>字符序列</a:t>
@@ -20752,19 +20752,19 @@
                     <a:p>
                       <a:pPr fontAlgn="t"/>
                       <a:r>
-                        <a:rPr lang="en-US" sz="1100">
+                        <a:rPr lang="en-US" sz="1100" dirty="0">
                           <a:effectLst/>
                         </a:rPr>
                         <a:t>true</a:t>
                       </a:r>
                       <a:r>
-                        <a:rPr lang="zh-CN" altLang="en-US" sz="1100">
+                        <a:rPr lang="zh-CN" altLang="en-US" sz="1100" dirty="0">
                           <a:effectLst/>
                         </a:rPr>
                         <a:t>或</a:t>
                       </a:r>
                       <a:r>
-                        <a:rPr lang="en-US" sz="1100">
+                        <a:rPr lang="en-US" sz="1100" dirty="0">
                           <a:effectLst/>
                         </a:rPr>
                         <a:t>false</a:t>
@@ -20878,43 +20878,43 @@
                     <a:p>
                       <a:pPr fontAlgn="t"/>
                       <a:r>
-                        <a:rPr lang="zh-CN" altLang="en-US" sz="1100">
+                        <a:rPr lang="zh-CN" altLang="en-US" sz="1100" dirty="0">
                           <a:effectLst/>
                         </a:rPr>
                         <a:t>表示无值，和其他语言中</a:t>
                       </a:r>
                       <a:r>
-                        <a:rPr lang="en-US" sz="1100">
+                        <a:rPr lang="en-US" sz="1100" dirty="0">
                           <a:effectLst/>
                         </a:rPr>
                         <a:t>void</a:t>
                       </a:r>
                       <a:r>
-                        <a:rPr lang="zh-CN" altLang="en-US" sz="1100">
+                        <a:rPr lang="zh-CN" altLang="en-US" sz="1100" dirty="0">
                           <a:effectLst/>
                         </a:rPr>
                         <a:t>等同。用作不返回任何结果的方法的结果类型。</a:t>
                       </a:r>
                       <a:r>
-                        <a:rPr lang="en-US" sz="1100">
+                        <a:rPr lang="en-US" sz="1100" dirty="0">
                           <a:effectLst/>
                         </a:rPr>
                         <a:t>Unit</a:t>
                       </a:r>
                       <a:r>
-                        <a:rPr lang="zh-CN" altLang="en-US" sz="1100">
+                        <a:rPr lang="zh-CN" altLang="en-US" sz="1100" dirty="0">
                           <a:effectLst/>
                         </a:rPr>
                         <a:t>只有一个实例值，写成</a:t>
                       </a:r>
                       <a:r>
-                        <a:rPr lang="en-US" altLang="zh-CN" sz="1100">
+                        <a:rPr lang="en-US" altLang="zh-CN" sz="1100" dirty="0">
                           <a:effectLst/>
                         </a:rPr>
                         <a:t>()</a:t>
                       </a:r>
                       <a:r>
-                        <a:rPr lang="zh-CN" altLang="en-US" sz="1100">
+                        <a:rPr lang="zh-CN" altLang="en-US" sz="1100" dirty="0">
                           <a:effectLst/>
                         </a:rPr>
                         <a:t>。</a:t>
@@ -21028,12 +21028,12 @@
                     <a:p>
                       <a:pPr fontAlgn="t"/>
                       <a:r>
-                        <a:rPr lang="en-US" sz="1100">
+                        <a:rPr lang="en-US" sz="1100" dirty="0">
                           <a:effectLst/>
                         </a:rPr>
                         <a:t>null </a:t>
                       </a:r>
-                      <a:endParaRPr lang="zh-CN" altLang="en-US" sz="1100">
+                      <a:endParaRPr lang="zh-CN" altLang="en-US" sz="1100" dirty="0">
                         <a:effectLst/>
                       </a:endParaRPr>
                     </a:p>
@@ -21145,25 +21145,25 @@
                     <a:p>
                       <a:pPr fontAlgn="t"/>
                       <a:r>
-                        <a:rPr lang="en-US" sz="1100">
+                        <a:rPr lang="en-US" sz="1100" dirty="0">
                           <a:effectLst/>
                         </a:rPr>
                         <a:t>Nothing</a:t>
                       </a:r>
                       <a:r>
-                        <a:rPr lang="zh-CN" altLang="en-US" sz="1100">
+                        <a:rPr lang="zh-CN" altLang="en-US" sz="1100" dirty="0">
                           <a:effectLst/>
                         </a:rPr>
                         <a:t>类型在</a:t>
                       </a:r>
                       <a:r>
-                        <a:rPr lang="en-US" sz="1100">
+                        <a:rPr lang="en-US" sz="1100" dirty="0">
                           <a:effectLst/>
                         </a:rPr>
                         <a:t>Scala</a:t>
                       </a:r>
                       <a:r>
-                        <a:rPr lang="zh-CN" altLang="en-US" sz="1100">
+                        <a:rPr lang="zh-CN" altLang="en-US" sz="1100" dirty="0">
                           <a:effectLst/>
                         </a:rPr>
                         <a:t>的类层级的最低端；它是任何其他类型的子类型。</a:t>
@@ -21277,13 +21277,13 @@
                     <a:p>
                       <a:pPr fontAlgn="t"/>
                       <a:r>
-                        <a:rPr lang="en-US" sz="1100">
+                        <a:rPr lang="en-US" sz="1100" dirty="0">
                           <a:effectLst/>
                         </a:rPr>
                         <a:t>Any</a:t>
                       </a:r>
                       <a:r>
-                        <a:rPr lang="zh-CN" altLang="en-US" sz="1100">
+                        <a:rPr lang="zh-CN" altLang="en-US" sz="1100" dirty="0">
                           <a:effectLst/>
                         </a:rPr>
                         <a:t>是所有其他类的超类</a:t>
@@ -21397,43 +21397,43 @@
                     <a:p>
                       <a:pPr fontAlgn="t"/>
                       <a:r>
-                        <a:rPr lang="en-US" sz="1100">
+                        <a:rPr lang="en-US" sz="1100" dirty="0">
                           <a:effectLst/>
                         </a:rPr>
                         <a:t>AnyRef</a:t>
                       </a:r>
                       <a:r>
-                        <a:rPr lang="zh-CN" altLang="en-US" sz="1100">
+                        <a:rPr lang="zh-CN" altLang="en-US" sz="1100" dirty="0">
                           <a:effectLst/>
                         </a:rPr>
                         <a:t>类是</a:t>
                       </a:r>
                       <a:r>
-                        <a:rPr lang="en-US" sz="1100">
+                        <a:rPr lang="en-US" sz="1100" dirty="0">
                           <a:effectLst/>
                         </a:rPr>
                         <a:t>Scala</a:t>
                       </a:r>
                       <a:r>
-                        <a:rPr lang="zh-CN" altLang="en-US" sz="1100">
+                        <a:rPr lang="zh-CN" altLang="en-US" sz="1100" dirty="0">
                           <a:effectLst/>
                         </a:rPr>
                         <a:t>里所有引用类</a:t>
                       </a:r>
                       <a:r>
-                        <a:rPr lang="en-US" altLang="zh-CN" sz="1100">
+                        <a:rPr lang="en-US" altLang="zh-CN" sz="1100" dirty="0">
                           <a:effectLst/>
                         </a:rPr>
                         <a:t>(</a:t>
                       </a:r>
                       <a:r>
-                        <a:rPr lang="en-US" sz="1100">
+                        <a:rPr lang="en-US" sz="1100" dirty="0">
                           <a:effectLst/>
                         </a:rPr>
                         <a:t>reference class)</a:t>
                       </a:r>
                       <a:r>
-                        <a:rPr lang="zh-CN" altLang="en-US" sz="1100">
+                        <a:rPr lang="zh-CN" altLang="en-US" sz="1100" dirty="0">
                           <a:effectLst/>
                         </a:rPr>
                         <a:t>的基类</a:t>
@@ -28888,7 +28888,7 @@
                     <a:p>
                       <a:pPr algn="just" fontAlgn="t"/>
                       <a:r>
-                        <a:rPr lang="en-US" sz="1600">
+                        <a:rPr lang="en-US" sz="1600" dirty="0">
                           <a:effectLst/>
                         </a:rPr>
                         <a:t>Unit</a:t>
@@ -29235,72 +29235,72 @@
                     <a:p>
                       <a:pPr fontAlgn="t"/>
                       <a:r>
-                        <a:rPr lang="en-US" sz="1600">
+                        <a:rPr lang="en-US" sz="1600" dirty="0">
                           <a:effectLst/>
                         </a:rPr>
                         <a:t>Nothing</a:t>
                       </a:r>
                       <a:r>
-                        <a:rPr lang="zh-CN" altLang="en-US" sz="1600">
+                        <a:rPr lang="zh-CN" altLang="en-US" sz="1600" dirty="0">
                           <a:effectLst/>
                         </a:rPr>
                         <a:t>类型在</a:t>
                       </a:r>
                       <a:r>
-                        <a:rPr lang="en-US" sz="1600">
+                        <a:rPr lang="en-US" sz="1600" dirty="0">
                           <a:effectLst/>
                         </a:rPr>
                         <a:t>Scala</a:t>
                       </a:r>
                       <a:r>
-                        <a:rPr lang="zh-CN" altLang="en-US" sz="1600">
+                        <a:rPr lang="zh-CN" altLang="en-US" sz="1600" dirty="0">
                           <a:effectLst/>
                         </a:rPr>
                         <a:t>的类层级的最低端；它是任何其他类型的子类</a:t>
                       </a:r>
                       <a:r>
-                        <a:rPr lang="zh-CN" altLang="en-US" sz="1600" smtClean="0">
+                        <a:rPr lang="zh-CN" altLang="en-US" sz="1600" dirty="0" smtClean="0">
                           <a:effectLst/>
                         </a:rPr>
                         <a:t>型。</a:t>
                       </a:r>
-                      <a:endParaRPr lang="en-US" altLang="zh-CN" sz="1600" smtClean="0">
+                      <a:endParaRPr lang="en-US" altLang="zh-CN" sz="1600" dirty="0" smtClean="0">
                         <a:effectLst/>
                       </a:endParaRPr>
                     </a:p>
                     <a:p>
                       <a:pPr fontAlgn="t"/>
                       <a:r>
-                        <a:rPr lang="zh-CN" altLang="en-US" sz="1600" smtClean="0">
+                        <a:rPr lang="zh-CN" altLang="en-US" sz="1600" dirty="0" smtClean="0">
                           <a:effectLst/>
                         </a:rPr>
                         <a:t>当一个函数，我们确定没有正常的返回值，可以用</a:t>
                       </a:r>
                       <a:r>
-                        <a:rPr lang="en-US" altLang="zh-CN" sz="1600" smtClean="0">
+                        <a:rPr lang="en-US" altLang="zh-CN" sz="1600" dirty="0" smtClean="0">
                           <a:effectLst/>
                         </a:rPr>
                         <a:t>Nothing</a:t>
                       </a:r>
                       <a:r>
-                        <a:rPr lang="en-US" altLang="zh-CN" sz="1600" baseline="0" smtClean="0">
+                        <a:rPr lang="en-US" altLang="zh-CN" sz="1600" baseline="0" dirty="0" smtClean="0">
                           <a:effectLst/>
                         </a:rPr>
                         <a:t> </a:t>
                       </a:r>
                       <a:r>
-                        <a:rPr lang="zh-CN" altLang="en-US" sz="1600" baseline="0" smtClean="0">
+                        <a:rPr lang="zh-CN" altLang="en-US" sz="1600" baseline="0" dirty="0" smtClean="0">
                           <a:effectLst/>
                         </a:rPr>
                         <a:t>来指定返回类型，这样有一个好处，就是我们可以把返回的值（异常）赋给其它的函数或者变量（兼容性）</a:t>
                       </a:r>
-                      <a:endParaRPr lang="en-US" altLang="zh-CN" sz="1600" smtClean="0">
+                      <a:endParaRPr lang="en-US" altLang="zh-CN" sz="1600" dirty="0" smtClean="0">
                         <a:effectLst/>
                       </a:endParaRPr>
                     </a:p>
                     <a:p>
                       <a:pPr fontAlgn="t"/>
-                      <a:endParaRPr lang="zh-CN" altLang="en-US" sz="1600">
+                      <a:endParaRPr lang="zh-CN" altLang="en-US" sz="1600" dirty="0">
                         <a:effectLst/>
                       </a:endParaRPr>
                     </a:p>
@@ -30280,7 +30280,7 @@
               <a:defRPr/>
             </a:pPr>
             <a:r>
-              <a:rPr lang="zh-CN" altLang="en-US" sz="2000" b="1" smtClean="0">
+              <a:rPr lang="zh-CN" altLang="en-US" sz="2000" b="1" dirty="0" smtClean="0">
                 <a:solidFill>
                   <a:srgbClr val="0070C0"/>
                 </a:solidFill>
@@ -30289,7 +30289,7 @@
               <a:t>值类型隐</a:t>
             </a:r>
             <a:r>
-              <a:rPr lang="zh-CN" altLang="en-US" sz="2000" b="1">
+              <a:rPr lang="zh-CN" altLang="en-US" sz="2000" b="1" dirty="0">
                 <a:solidFill>
                   <a:srgbClr val="0070C0"/>
                 </a:solidFill>
@@ -30298,7 +30298,7 @@
               <a:t>式</a:t>
             </a:r>
             <a:r>
-              <a:rPr lang="zh-CN" altLang="en-US" sz="2000" b="1" smtClean="0">
+              <a:rPr lang="zh-CN" altLang="en-US" sz="2000" b="1" dirty="0" smtClean="0">
                 <a:solidFill>
                   <a:srgbClr val="0070C0"/>
                 </a:solidFill>
@@ -30307,7 +30307,7 @@
               <a:t>转</a:t>
             </a:r>
             <a:r>
-              <a:rPr lang="zh-CN" altLang="en-US" sz="2000" b="1">
+              <a:rPr lang="zh-CN" altLang="en-US" sz="2000" b="1" dirty="0">
                 <a:solidFill>
                   <a:srgbClr val="0070C0"/>
                 </a:solidFill>
@@ -30315,7 +30315,7 @@
               </a:rPr>
               <a:t>换</a:t>
             </a:r>
-            <a:endParaRPr lang="en-US" altLang="zh-CN" sz="2000" b="1" smtClean="0">
+            <a:endParaRPr lang="en-US" altLang="zh-CN" sz="2000" b="1" dirty="0" smtClean="0">
               <a:solidFill>
                 <a:srgbClr val="0070C0"/>
               </a:solidFill>
@@ -30326,7 +30326,7 @@
             <a:pPr>
               <a:defRPr/>
             </a:pPr>
-            <a:endParaRPr lang="en-US" altLang="zh-CN" sz="2000" b="1">
+            <a:endParaRPr lang="en-US" altLang="zh-CN" sz="2000" b="1" dirty="0">
               <a:solidFill>
                 <a:srgbClr val="0070C0"/>
               </a:solidFill>
@@ -30340,13 +30340,13 @@
               <a:defRPr/>
             </a:pPr>
             <a:r>
-              <a:rPr lang="zh-CN" altLang="en-US" sz="2000" b="1" smtClean="0">
+              <a:rPr lang="zh-CN" altLang="en-US" sz="2000" b="1" dirty="0" smtClean="0">
                 <a:ea typeface="宋体" panose="02010600030101010101" pitchFamily="2" charset="-122"/>
                 <a:cs typeface="Times New Roman" pitchFamily="18" charset="0"/>
               </a:rPr>
               <a:t>介绍</a:t>
             </a:r>
-            <a:endParaRPr lang="en-US" altLang="zh-CN" sz="2000" b="1" smtClean="0">
+            <a:endParaRPr lang="en-US" altLang="zh-CN" sz="2000" b="1" dirty="0" smtClean="0">
               <a:ea typeface="宋体" panose="02010600030101010101" pitchFamily="2" charset="-122"/>
               <a:cs typeface="Times New Roman" pitchFamily="18" charset="0"/>
             </a:endParaRPr>
@@ -30356,28 +30356,28 @@
               <a:defRPr/>
             </a:pPr>
             <a:r>
-              <a:rPr lang="zh-CN" altLang="en-US" sz="2000" b="1" smtClean="0">
+              <a:rPr lang="zh-CN" altLang="en-US" sz="2000" b="1" dirty="0" smtClean="0">
                 <a:ea typeface="宋体" pitchFamily="2" charset="-122"/>
                 <a:cs typeface="Times New Roman" pitchFamily="18" charset="0"/>
               </a:rPr>
               <a:t>当</a:t>
             </a:r>
             <a:r>
-              <a:rPr lang="en-US" altLang="zh-CN" sz="2000" b="1" smtClean="0">
+              <a:rPr lang="en-US" altLang="zh-CN" sz="2000" b="1" dirty="0" smtClean="0">
                 <a:ea typeface="宋体" pitchFamily="2" charset="-122"/>
                 <a:cs typeface="Times New Roman" pitchFamily="18" charset="0"/>
               </a:rPr>
               <a:t>Scala</a:t>
             </a:r>
             <a:r>
-              <a:rPr lang="zh-CN" altLang="en-US" sz="2000" b="1" smtClean="0">
+              <a:rPr lang="zh-CN" altLang="en-US" sz="2000" b="1" dirty="0" smtClean="0">
                 <a:ea typeface="宋体" pitchFamily="2" charset="-122"/>
                 <a:cs typeface="Times New Roman" pitchFamily="18" charset="0"/>
               </a:rPr>
               <a:t>程序在进行</a:t>
             </a:r>
             <a:r>
-              <a:rPr lang="zh-CN" altLang="en-US" sz="2000" b="1" smtClean="0">
+              <a:rPr lang="zh-CN" altLang="en-US" sz="2000" b="1" dirty="0" smtClean="0">
                 <a:solidFill>
                   <a:srgbClr val="FF0000"/>
                 </a:solidFill>
@@ -30387,14 +30387,14 @@
               <a:t>赋值</a:t>
             </a:r>
             <a:r>
-              <a:rPr lang="zh-CN" altLang="en-US" sz="2000" b="1" smtClean="0">
+              <a:rPr lang="zh-CN" altLang="en-US" sz="2000" b="1" dirty="0" smtClean="0">
                 <a:ea typeface="宋体" pitchFamily="2" charset="-122"/>
                 <a:cs typeface="Times New Roman" pitchFamily="18" charset="0"/>
               </a:rPr>
               <a:t>或者</a:t>
             </a:r>
             <a:r>
-              <a:rPr lang="zh-CN" altLang="en-US" sz="2000" b="1" smtClean="0">
+              <a:rPr lang="zh-CN" altLang="en-US" sz="2000" b="1" dirty="0" smtClean="0">
                 <a:solidFill>
                   <a:srgbClr val="FF0000"/>
                 </a:solidFill>
@@ -30404,103 +30404,103 @@
               <a:t>运算</a:t>
             </a:r>
             <a:r>
-              <a:rPr lang="zh-CN" altLang="en-US" sz="2000" b="1" smtClean="0">
+              <a:rPr lang="zh-CN" altLang="en-US" sz="2000" b="1" dirty="0" smtClean="0">
                 <a:ea typeface="宋体" pitchFamily="2" charset="-122"/>
                 <a:cs typeface="Times New Roman" pitchFamily="18" charset="0"/>
               </a:rPr>
               <a:t>时，</a:t>
             </a:r>
             <a:r>
-              <a:rPr lang="zh-CN" altLang="en-US" sz="2000" smtClean="0">
+              <a:rPr lang="zh-CN" altLang="en-US" sz="2000" dirty="0" smtClean="0">
                 <a:ea typeface="宋体" pitchFamily="2" charset="-122"/>
                 <a:cs typeface="Times New Roman" pitchFamily="18" charset="0"/>
               </a:rPr>
               <a:t>精度小的</a:t>
             </a:r>
             <a:r>
-              <a:rPr lang="zh-CN" altLang="en-US" sz="2000">
+              <a:rPr lang="zh-CN" altLang="en-US" sz="2000" dirty="0">
                 <a:ea typeface="宋体" pitchFamily="2" charset="-122"/>
                 <a:cs typeface="Times New Roman" pitchFamily="18" charset="0"/>
               </a:rPr>
               <a:t>类型自动转换</a:t>
             </a:r>
             <a:r>
-              <a:rPr lang="zh-CN" altLang="en-US" sz="2000" smtClean="0">
+              <a:rPr lang="zh-CN" altLang="en-US" sz="2000" dirty="0" smtClean="0">
                 <a:ea typeface="宋体" pitchFamily="2" charset="-122"/>
                 <a:cs typeface="Times New Roman" pitchFamily="18" charset="0"/>
               </a:rPr>
               <a:t>为</a:t>
             </a:r>
             <a:r>
-              <a:rPr lang="zh-CN" altLang="en-US" sz="2000">
+              <a:rPr lang="zh-CN" altLang="en-US" sz="2000" dirty="0">
                 <a:ea typeface="宋体" pitchFamily="2" charset="-122"/>
                 <a:cs typeface="Times New Roman" pitchFamily="18" charset="0"/>
               </a:rPr>
               <a:t>精度</a:t>
             </a:r>
             <a:r>
-              <a:rPr lang="zh-CN" altLang="en-US" sz="2000" smtClean="0">
+              <a:rPr lang="zh-CN" altLang="en-US" sz="2000" dirty="0" smtClean="0">
                 <a:ea typeface="宋体" pitchFamily="2" charset="-122"/>
                 <a:cs typeface="Times New Roman" pitchFamily="18" charset="0"/>
               </a:rPr>
               <a:t>大</a:t>
             </a:r>
             <a:r>
-              <a:rPr lang="zh-CN" altLang="en-US" sz="2000">
+              <a:rPr lang="zh-CN" altLang="en-US" sz="2000" dirty="0">
                 <a:ea typeface="宋体" pitchFamily="2" charset="-122"/>
                 <a:cs typeface="Times New Roman" pitchFamily="18" charset="0"/>
               </a:rPr>
               <a:t>的数据类</a:t>
             </a:r>
             <a:r>
-              <a:rPr lang="zh-CN" altLang="en-US" sz="2000" smtClean="0">
+              <a:rPr lang="zh-CN" altLang="en-US" sz="2000" dirty="0" smtClean="0">
                 <a:ea typeface="宋体" pitchFamily="2" charset="-122"/>
                 <a:cs typeface="Times New Roman" pitchFamily="18" charset="0"/>
               </a:rPr>
               <a:t>型，这个就是自动类型转换</a:t>
             </a:r>
             <a:r>
-              <a:rPr lang="en-US" altLang="zh-CN" sz="2000" smtClean="0">
+              <a:rPr lang="en-US" altLang="zh-CN" sz="2000" dirty="0" smtClean="0">
                 <a:ea typeface="宋体" pitchFamily="2" charset="-122"/>
                 <a:cs typeface="Times New Roman" pitchFamily="18" charset="0"/>
               </a:rPr>
               <a:t>(</a:t>
             </a:r>
             <a:r>
-              <a:rPr lang="zh-CN" altLang="en-US" sz="2000" b="1" smtClean="0">
+              <a:rPr lang="zh-CN" altLang="en-US" sz="2000" b="1" dirty="0" smtClean="0">
                 <a:ea typeface="宋体" pitchFamily="2" charset="-122"/>
                 <a:cs typeface="Times New Roman" pitchFamily="18" charset="0"/>
               </a:rPr>
               <a:t>隐式转换</a:t>
             </a:r>
             <a:r>
-              <a:rPr lang="en-US" altLang="zh-CN" sz="2000" smtClean="0">
+              <a:rPr lang="en-US" altLang="zh-CN" sz="2000" dirty="0" smtClean="0">
                 <a:ea typeface="宋体" pitchFamily="2" charset="-122"/>
                 <a:cs typeface="Times New Roman" pitchFamily="18" charset="0"/>
               </a:rPr>
               <a:t>)</a:t>
             </a:r>
             <a:r>
-              <a:rPr lang="zh-CN" altLang="en-US" sz="2000" smtClean="0">
+              <a:rPr lang="zh-CN" altLang="en-US" sz="2000" dirty="0" smtClean="0">
                 <a:ea typeface="宋体" pitchFamily="2" charset="-122"/>
                 <a:cs typeface="Times New Roman" pitchFamily="18" charset="0"/>
               </a:rPr>
               <a:t>。</a:t>
             </a:r>
             <a:r>
-              <a:rPr lang="en-US" altLang="zh-CN" sz="2000" smtClean="0">
+              <a:rPr lang="en-US" altLang="zh-CN" sz="2000" dirty="0" smtClean="0">
                 <a:ea typeface="宋体" pitchFamily="2" charset="-122"/>
                 <a:cs typeface="Times New Roman" pitchFamily="18" charset="0"/>
               </a:rPr>
               <a:t/>
             </a:r>
             <a:br>
-              <a:rPr lang="en-US" altLang="zh-CN" sz="2000" smtClean="0">
+              <a:rPr lang="en-US" altLang="zh-CN" sz="2000" dirty="0" smtClean="0">
                 <a:ea typeface="宋体" pitchFamily="2" charset="-122"/>
                 <a:cs typeface="Times New Roman" pitchFamily="18" charset="0"/>
               </a:rPr>
             </a:br>
-            <a:endParaRPr lang="en-US" altLang="zh-CN" sz="2000" smtClean="0">
+            <a:endParaRPr lang="en-US" altLang="zh-CN" sz="2000" dirty="0" smtClean="0">
               <a:ea typeface="宋体" pitchFamily="2" charset="-122"/>
               <a:cs typeface="Times New Roman" pitchFamily="18" charset="0"/>
             </a:endParaRPr>
@@ -30512,76 +30512,76 @@
               <a:defRPr/>
             </a:pPr>
             <a:r>
-              <a:rPr lang="zh-CN" altLang="en-US" sz="2000" smtClean="0">
+              <a:rPr lang="zh-CN" altLang="en-US" sz="2000" dirty="0" smtClean="0">
                 <a:ea typeface="宋体" pitchFamily="2" charset="-122"/>
                 <a:cs typeface="Times New Roman" pitchFamily="18" charset="0"/>
               </a:rPr>
               <a:t> 数</a:t>
             </a:r>
             <a:r>
-              <a:rPr lang="zh-CN" altLang="en-US" sz="2000">
+              <a:rPr lang="zh-CN" altLang="en-US" sz="2000" dirty="0">
                 <a:ea typeface="宋体" pitchFamily="2" charset="-122"/>
                 <a:cs typeface="Times New Roman" pitchFamily="18" charset="0"/>
               </a:rPr>
               <a:t>据类型</a:t>
             </a:r>
             <a:r>
-              <a:rPr lang="zh-CN" altLang="en-US" sz="2000" smtClean="0">
+              <a:rPr lang="zh-CN" altLang="en-US" sz="2000" dirty="0" smtClean="0">
                 <a:ea typeface="宋体" pitchFamily="2" charset="-122"/>
                 <a:cs typeface="Times New Roman" pitchFamily="18" charset="0"/>
               </a:rPr>
               <a:t>按</a:t>
             </a:r>
             <a:r>
-              <a:rPr lang="zh-CN" altLang="en-US" sz="2000">
+              <a:rPr lang="zh-CN" altLang="en-US" sz="2000" dirty="0">
                 <a:ea typeface="宋体" pitchFamily="2" charset="-122"/>
                 <a:cs typeface="Times New Roman" pitchFamily="18" charset="0"/>
               </a:rPr>
               <a:t>精</a:t>
             </a:r>
             <a:r>
-              <a:rPr lang="zh-CN" altLang="en-US" sz="2000" smtClean="0">
+              <a:rPr lang="zh-CN" altLang="en-US" sz="2000" dirty="0" smtClean="0">
                 <a:ea typeface="宋体" pitchFamily="2" charset="-122"/>
                 <a:cs typeface="Times New Roman" pitchFamily="18" charset="0"/>
               </a:rPr>
               <a:t>度</a:t>
             </a:r>
             <a:r>
-              <a:rPr lang="en-US" altLang="zh-CN" sz="2000" smtClean="0">
+              <a:rPr lang="en-US" altLang="zh-CN" sz="2000" dirty="0" smtClean="0">
                 <a:ea typeface="宋体" pitchFamily="2" charset="-122"/>
                 <a:cs typeface="Times New Roman" pitchFamily="18" charset="0"/>
               </a:rPr>
               <a:t>(</a:t>
             </a:r>
             <a:r>
-              <a:rPr lang="zh-CN" altLang="en-US" sz="2000" smtClean="0">
+              <a:rPr lang="zh-CN" altLang="en-US" sz="2000" dirty="0" smtClean="0">
                 <a:ea typeface="宋体" pitchFamily="2" charset="-122"/>
                 <a:cs typeface="Times New Roman" pitchFamily="18" charset="0"/>
               </a:rPr>
               <a:t>容量</a:t>
             </a:r>
             <a:r>
-              <a:rPr lang="en-US" altLang="zh-CN" sz="2000" smtClean="0">
+              <a:rPr lang="en-US" altLang="zh-CN" sz="2000" dirty="0" smtClean="0">
                 <a:ea typeface="宋体" pitchFamily="2" charset="-122"/>
                 <a:cs typeface="Times New Roman" pitchFamily="18" charset="0"/>
               </a:rPr>
               <a:t>)</a:t>
             </a:r>
             <a:r>
-              <a:rPr lang="zh-CN" altLang="en-US" sz="2000" smtClean="0">
+              <a:rPr lang="zh-CN" altLang="en-US" sz="2000" dirty="0" smtClean="0">
                 <a:ea typeface="宋体" pitchFamily="2" charset="-122"/>
                 <a:cs typeface="Times New Roman" pitchFamily="18" charset="0"/>
               </a:rPr>
               <a:t>大</a:t>
             </a:r>
             <a:r>
-              <a:rPr lang="zh-CN" altLang="en-US" sz="2000">
+              <a:rPr lang="zh-CN" altLang="en-US" sz="2000" dirty="0">
                 <a:ea typeface="宋体" pitchFamily="2" charset="-122"/>
                 <a:cs typeface="Times New Roman" pitchFamily="18" charset="0"/>
               </a:rPr>
               <a:t>小排序为</a:t>
             </a:r>
-            <a:endParaRPr lang="en-US" altLang="zh-CN" sz="2000" smtClean="0">
+            <a:endParaRPr lang="en-US" altLang="zh-CN" sz="2000" dirty="0" smtClean="0">
               <a:ea typeface="宋体" pitchFamily="2" charset="-122"/>
               <a:cs typeface="Times New Roman" pitchFamily="18" charset="0"/>
             </a:endParaRPr>
@@ -30591,7 +30591,7 @@
               <a:buAutoNum type="arabicParenR"/>
               <a:defRPr/>
             </a:pPr>
-            <a:endParaRPr lang="en-US" altLang="zh-CN" sz="2000" smtClean="0">
+            <a:endParaRPr lang="en-US" altLang="zh-CN" sz="2000" dirty="0" smtClean="0">
               <a:ea typeface="宋体" pitchFamily="2" charset="-122"/>
               <a:cs typeface="Times New Roman" pitchFamily="18" charset="0"/>
             </a:endParaRPr>
@@ -30600,7 +30600,7 @@
             <a:pPr>
               <a:defRPr/>
             </a:pPr>
-            <a:endParaRPr lang="en-US" altLang="zh-CN" sz="2000" b="1">
+            <a:endParaRPr lang="en-US" altLang="zh-CN" sz="2000" b="1" dirty="0">
               <a:solidFill>
                 <a:srgbClr val="0070C0"/>
               </a:solidFill>
@@ -30611,7 +30611,7 @@
             <a:pPr>
               <a:defRPr/>
             </a:pPr>
-            <a:endParaRPr lang="en-US" altLang="zh-CN" sz="2000" b="1" smtClean="0">
+            <a:endParaRPr lang="en-US" altLang="zh-CN" sz="2000" b="1" dirty="0" smtClean="0">
               <a:solidFill>
                 <a:srgbClr val="0070C0"/>
               </a:solidFill>
@@ -30622,7 +30622,7 @@
             <a:pPr>
               <a:defRPr/>
             </a:pPr>
-            <a:endParaRPr lang="en-US" altLang="zh-CN" sz="2000" b="1" smtClean="0">
+            <a:endParaRPr lang="en-US" altLang="zh-CN" sz="2000" b="1" dirty="0" smtClean="0">
               <a:solidFill>
                 <a:srgbClr val="0070C0"/>
               </a:solidFill>
@@ -30633,7 +30633,7 @@
             <a:pPr>
               <a:defRPr/>
             </a:pPr>
-            <a:endParaRPr lang="en-US" altLang="zh-CN" sz="2000" b="1">
+            <a:endParaRPr lang="en-US" altLang="zh-CN" sz="2000" b="1" dirty="0">
               <a:solidFill>
                 <a:srgbClr val="0070C0"/>
               </a:solidFill>
@@ -30644,7 +30644,7 @@
             <a:pPr>
               <a:defRPr/>
             </a:pPr>
-            <a:endParaRPr lang="en-US" altLang="zh-CN" sz="2000" b="1" smtClean="0">
+            <a:endParaRPr lang="en-US" altLang="zh-CN" sz="2000" b="1" dirty="0" smtClean="0">
               <a:solidFill>
                 <a:srgbClr val="0070C0"/>
               </a:solidFill>
@@ -30676,8 +30676,8 @@
         </p:blipFill>
         <p:spPr bwMode="auto">
           <a:xfrm>
-            <a:off x="5796136" y="2728456"/>
-            <a:ext cx="2735834" cy="2651329"/>
+            <a:off x="3635896" y="977649"/>
+            <a:ext cx="4824066" cy="4363874"/>
           </a:xfrm>
           <a:prstGeom prst="rect">
             <a:avLst/>
@@ -30973,7 +30973,7 @@
               <a:defRPr/>
             </a:pPr>
             <a:r>
-              <a:rPr lang="zh-CN" altLang="en-US" sz="2000" b="1" smtClean="0">
+              <a:rPr lang="zh-CN" altLang="en-US" sz="2000" b="1" dirty="0" smtClean="0">
                 <a:solidFill>
                   <a:srgbClr val="0070C0"/>
                 </a:solidFill>
@@ -30982,7 +30982,7 @@
               <a:t>值类型隐</a:t>
             </a:r>
             <a:r>
-              <a:rPr lang="zh-CN" altLang="en-US" sz="2000" b="1">
+              <a:rPr lang="zh-CN" altLang="en-US" sz="2000" b="1" dirty="0">
                 <a:solidFill>
                   <a:srgbClr val="0070C0"/>
                 </a:solidFill>
@@ -30991,7 +30991,7 @@
               <a:t>式转</a:t>
             </a:r>
             <a:r>
-              <a:rPr lang="zh-CN" altLang="en-US" sz="2000" b="1" smtClean="0">
+              <a:rPr lang="zh-CN" altLang="en-US" sz="2000" b="1" dirty="0" smtClean="0">
                 <a:solidFill>
                   <a:srgbClr val="0070C0"/>
                 </a:solidFill>
@@ -30999,7 +30999,7 @@
               </a:rPr>
               <a:t>换</a:t>
             </a:r>
-            <a:endParaRPr lang="en-US" altLang="zh-CN" sz="2000" b="1" smtClean="0">
+            <a:endParaRPr lang="en-US" altLang="zh-CN" sz="2000" b="1" dirty="0" smtClean="0">
               <a:solidFill>
                 <a:srgbClr val="0070C0"/>
               </a:solidFill>
@@ -31010,7 +31010,7 @@
             <a:pPr>
               <a:defRPr/>
             </a:pPr>
-            <a:endParaRPr lang="en-US" altLang="zh-CN" sz="2000" b="1">
+            <a:endParaRPr lang="en-US" altLang="zh-CN" sz="2000" b="1" dirty="0">
               <a:solidFill>
                 <a:srgbClr val="0070C0"/>
               </a:solidFill>
@@ -31024,13 +31024,13 @@
               <a:defRPr/>
             </a:pPr>
             <a:r>
-              <a:rPr lang="zh-CN" altLang="en-US" sz="2000" b="1" smtClean="0">
+              <a:rPr lang="zh-CN" altLang="en-US" sz="2000" b="1" dirty="0" smtClean="0">
                 <a:ea typeface="宋体" panose="02010600030101010101" pitchFamily="2" charset="-122"/>
                 <a:cs typeface="Times New Roman" pitchFamily="18" charset="0"/>
               </a:rPr>
               <a:t>案例演示</a:t>
             </a:r>
-            <a:endParaRPr lang="en-US" altLang="zh-CN" sz="2000" b="1" smtClean="0">
+            <a:endParaRPr lang="en-US" altLang="zh-CN" sz="2000" b="1" dirty="0" smtClean="0">
               <a:ea typeface="宋体" panose="02010600030101010101" pitchFamily="2" charset="-122"/>
               <a:cs typeface="Times New Roman" pitchFamily="18" charset="0"/>
             </a:endParaRPr>
@@ -31040,13 +31040,13 @@
               <a:defRPr/>
             </a:pPr>
             <a:r>
-              <a:rPr lang="zh-CN" altLang="en-US" sz="2000" b="1" smtClean="0">
+              <a:rPr lang="zh-CN" altLang="en-US" sz="2000" b="1" dirty="0" smtClean="0">
                 <a:ea typeface="宋体" pitchFamily="2" charset="-122"/>
                 <a:cs typeface="Times New Roman" pitchFamily="18" charset="0"/>
               </a:rPr>
               <a:t>演示一下基本数据类型转换的基本情况。</a:t>
             </a:r>
-            <a:endParaRPr lang="en-US" altLang="zh-CN" sz="2000" b="1">
+            <a:endParaRPr lang="en-US" altLang="zh-CN" sz="2000" b="1" dirty="0">
               <a:solidFill>
                 <a:srgbClr val="0070C0"/>
               </a:solidFill>
@@ -31057,7 +31057,7 @@
             <a:pPr>
               <a:defRPr/>
             </a:pPr>
-            <a:endParaRPr lang="en-US" altLang="zh-CN" sz="2000" b="1">
+            <a:endParaRPr lang="en-US" altLang="zh-CN" sz="2000" b="1" dirty="0">
               <a:solidFill>
                 <a:srgbClr val="0070C0"/>
               </a:solidFill>
@@ -31071,12 +31071,12 @@
               <a:defRPr/>
             </a:pPr>
             <a:r>
-              <a:rPr lang="zh-CN" altLang="en-US" sz="2000" b="1" smtClean="0">
+              <a:rPr lang="zh-CN" altLang="en-US" sz="2000" b="1" dirty="0" smtClean="0">
                 <a:ea typeface="宋体" panose="02010600030101010101" pitchFamily="2" charset="-122"/>
               </a:rPr>
               <a:t>自动类型转换细节说明</a:t>
             </a:r>
-            <a:endParaRPr lang="en-US" altLang="zh-CN" sz="2000" b="1" smtClean="0">
+            <a:endParaRPr lang="en-US" altLang="zh-CN" sz="2000" b="1" dirty="0" smtClean="0">
               <a:ea typeface="宋体" panose="02010600030101010101" pitchFamily="2" charset="-122"/>
             </a:endParaRPr>
           </a:p>
@@ -31086,34 +31086,131 @@
               <a:defRPr/>
             </a:pPr>
             <a:r>
-              <a:rPr lang="zh-CN" altLang="en-US" sz="1600" smtClean="0">
+              <a:rPr lang="zh-CN" altLang="en-US" sz="1600" dirty="0" smtClean="0">
                 <a:ea typeface="宋体" pitchFamily="2" charset="-122"/>
                 <a:cs typeface="Times New Roman" pitchFamily="18" charset="0"/>
               </a:rPr>
               <a:t>有</a:t>
             </a:r>
             <a:r>
-              <a:rPr lang="zh-CN" altLang="en-US" sz="1600">
+              <a:rPr lang="zh-CN" altLang="en-US" sz="1600" dirty="0">
                 <a:ea typeface="宋体" pitchFamily="2" charset="-122"/>
                 <a:cs typeface="Times New Roman" pitchFamily="18" charset="0"/>
               </a:rPr>
               <a:t>多种类型的数据混合运算时，系统首先自动将所有数据转换成容量最大的那种数据类型，然后再进行计算</a:t>
             </a:r>
             <a:r>
-              <a:rPr lang="zh-CN" altLang="en-US" sz="1600" smtClean="0">
+              <a:rPr lang="zh-CN" altLang="en-US" sz="1600" dirty="0" smtClean="0">
                 <a:ea typeface="宋体" pitchFamily="2" charset="-122"/>
                 <a:cs typeface="Times New Roman" pitchFamily="18" charset="0"/>
               </a:rPr>
               <a:t>。 </a:t>
             </a:r>
             <a:r>
-              <a:rPr lang="en-US" altLang="zh-CN" sz="1600" smtClean="0">
+              <a:rPr lang="en-US" altLang="zh-CN" sz="1600" dirty="0" smtClean="0">
                 <a:ea typeface="宋体" pitchFamily="2" charset="-122"/>
                 <a:cs typeface="Times New Roman" pitchFamily="18" charset="0"/>
               </a:rPr>
               <a:t>5.6 + 10 = 》double</a:t>
             </a:r>
-            <a:endParaRPr lang="en-US" altLang="zh-CN" sz="1600" smtClean="0">
+          </a:p>
+          <a:p>
+            <a:pPr marL="457200" indent="-457200">
+              <a:buAutoNum type="arabicParenR"/>
+              <a:defRPr/>
+            </a:pPr>
+            <a:r>
+              <a:rPr lang="zh-CN" altLang="en-US" sz="1600" dirty="0" smtClean="0">
+                <a:ea typeface="宋体" pitchFamily="2" charset="-122"/>
+                <a:cs typeface="Times New Roman" pitchFamily="18" charset="0"/>
+              </a:rPr>
+              <a:t>当我们把精度</a:t>
+            </a:r>
+            <a:r>
+              <a:rPr lang="en-US" altLang="zh-CN" sz="1600" dirty="0" smtClean="0">
+                <a:ea typeface="宋体" pitchFamily="2" charset="-122"/>
+                <a:cs typeface="Times New Roman" pitchFamily="18" charset="0"/>
+              </a:rPr>
+              <a:t>(</a:t>
+            </a:r>
+            <a:r>
+              <a:rPr lang="zh-CN" altLang="en-US" sz="1600" dirty="0" smtClean="0">
+                <a:ea typeface="宋体" pitchFamily="2" charset="-122"/>
+                <a:cs typeface="Times New Roman" pitchFamily="18" charset="0"/>
+              </a:rPr>
+              <a:t>容量</a:t>
+            </a:r>
+            <a:r>
+              <a:rPr lang="en-US" altLang="zh-CN" sz="1600" dirty="0" smtClean="0">
+                <a:ea typeface="宋体" pitchFamily="2" charset="-122"/>
+                <a:cs typeface="Times New Roman" pitchFamily="18" charset="0"/>
+              </a:rPr>
+              <a:t>)</a:t>
+            </a:r>
+            <a:r>
+              <a:rPr lang="zh-CN" altLang="en-US" sz="1600" dirty="0">
+                <a:ea typeface="宋体" pitchFamily="2" charset="-122"/>
+                <a:cs typeface="Times New Roman" pitchFamily="18" charset="0"/>
+              </a:rPr>
+              <a:t>大</a:t>
+            </a:r>
+            <a:r>
+              <a:rPr lang="zh-CN" altLang="en-US" sz="1600" dirty="0" smtClean="0">
+                <a:ea typeface="宋体" pitchFamily="2" charset="-122"/>
+                <a:cs typeface="Times New Roman" pitchFamily="18" charset="0"/>
+              </a:rPr>
+              <a:t> 的数据类型赋值给</a:t>
+            </a:r>
+            <a:r>
+              <a:rPr lang="zh-CN" altLang="en-US" sz="1600" dirty="0">
+                <a:ea typeface="宋体" pitchFamily="2" charset="-122"/>
+                <a:cs typeface="Times New Roman" pitchFamily="18" charset="0"/>
+              </a:rPr>
+              <a:t>精度</a:t>
+            </a:r>
+            <a:r>
+              <a:rPr lang="en-US" altLang="zh-CN" sz="1600" dirty="0">
+                <a:ea typeface="宋体" pitchFamily="2" charset="-122"/>
+                <a:cs typeface="Times New Roman" pitchFamily="18" charset="0"/>
+              </a:rPr>
+              <a:t>(</a:t>
+            </a:r>
+            <a:r>
+              <a:rPr lang="zh-CN" altLang="en-US" sz="1600" dirty="0">
+                <a:ea typeface="宋体" pitchFamily="2" charset="-122"/>
+                <a:cs typeface="Times New Roman" pitchFamily="18" charset="0"/>
+              </a:rPr>
+              <a:t>容量</a:t>
+            </a:r>
+            <a:r>
+              <a:rPr lang="en-US" altLang="zh-CN" sz="1600" dirty="0" smtClean="0">
+                <a:ea typeface="宋体" pitchFamily="2" charset="-122"/>
+                <a:cs typeface="Times New Roman" pitchFamily="18" charset="0"/>
+              </a:rPr>
+              <a:t>)</a:t>
+            </a:r>
+            <a:r>
+              <a:rPr lang="zh-CN" altLang="en-US" sz="1600" dirty="0" smtClean="0">
+                <a:ea typeface="宋体" pitchFamily="2" charset="-122"/>
+                <a:cs typeface="Times New Roman" pitchFamily="18" charset="0"/>
+              </a:rPr>
+              <a:t>小 </a:t>
+            </a:r>
+            <a:r>
+              <a:rPr lang="zh-CN" altLang="en-US" sz="1600" dirty="0">
+                <a:ea typeface="宋体" pitchFamily="2" charset="-122"/>
+                <a:cs typeface="Times New Roman" pitchFamily="18" charset="0"/>
+              </a:rPr>
+              <a:t>的数据类</a:t>
+            </a:r>
+            <a:r>
+              <a:rPr lang="zh-CN" altLang="en-US" sz="1600" dirty="0" smtClean="0">
+                <a:ea typeface="宋体" pitchFamily="2" charset="-122"/>
+                <a:cs typeface="Times New Roman" pitchFamily="18" charset="0"/>
+              </a:rPr>
+              <a:t>型时，就会报错，反之就会进行自动类型转换。</a:t>
+            </a:r>
+            <a:endParaRPr lang="en-US" altLang="zh-CN" sz="1600" dirty="0" smtClean="0">
               <a:ea typeface="宋体" pitchFamily="2" charset="-122"/>
               <a:cs typeface="Times New Roman" pitchFamily="18" charset="0"/>
             </a:endParaRPr>
@@ -31124,97 +31221,54 @@
               <a:defRPr/>
             </a:pPr>
             <a:r>
-              <a:rPr lang="zh-CN" altLang="en-US" sz="1600" smtClean="0">
+              <a:rPr lang="en-US" altLang="zh-CN" sz="1600" dirty="0" smtClean="0">
                 <a:ea typeface="宋体" pitchFamily="2" charset="-122"/>
                 <a:cs typeface="Times New Roman" pitchFamily="18" charset="0"/>
               </a:rPr>
-              <a:t>当我们把精度</a:t>
-            </a:r>
-            <a:r>
-              <a:rPr lang="en-US" altLang="zh-CN" sz="1600" smtClean="0">
+              <a:t>(byte, short) </a:t>
+            </a:r>
+            <a:r>
+              <a:rPr lang="zh-CN" altLang="en-US" sz="1600" dirty="0" smtClean="0">
                 <a:ea typeface="宋体" pitchFamily="2" charset="-122"/>
                 <a:cs typeface="Times New Roman" pitchFamily="18" charset="0"/>
               </a:rPr>
-              <a:t>(</a:t>
-            </a:r>
-            <a:r>
-              <a:rPr lang="zh-CN" altLang="en-US" sz="1600" smtClean="0">
+              <a:t>和 </a:t>
+            </a:r>
+            <a:r>
+              <a:rPr lang="en-US" altLang="zh-CN" sz="1600" dirty="0" smtClean="0">
                 <a:ea typeface="宋体" pitchFamily="2" charset="-122"/>
                 <a:cs typeface="Times New Roman" pitchFamily="18" charset="0"/>
               </a:rPr>
-              <a:t>容量</a:t>
-            </a:r>
-            <a:r>
-              <a:rPr lang="en-US" altLang="zh-CN" sz="1600" smtClean="0">
+              <a:t>char</a:t>
+            </a:r>
+            <a:r>
+              <a:rPr lang="zh-CN" altLang="en-US" sz="1600" dirty="0">
                 <a:ea typeface="宋体" pitchFamily="2" charset="-122"/>
                 <a:cs typeface="Times New Roman" pitchFamily="18" charset="0"/>
               </a:rPr>
-              <a:t>)</a:t>
-            </a:r>
-            <a:r>
-              <a:rPr lang="zh-CN" altLang="en-US" sz="1600">
+              <a:t>之间不会相</a:t>
+            </a:r>
+            <a:r>
+              <a:rPr lang="zh-CN" altLang="en-US" sz="1600" dirty="0" smtClean="0">
                 <a:ea typeface="宋体" pitchFamily="2" charset="-122"/>
                 <a:cs typeface="Times New Roman" pitchFamily="18" charset="0"/>
               </a:rPr>
-              <a:t>大</a:t>
-            </a:r>
-            <a:r>
-              <a:rPr lang="zh-CN" altLang="en-US" sz="1600" smtClean="0">
+              <a:t>互自动转换。</a:t>
+            </a:r>
+            <a:r>
+              <a:rPr lang="en-US" altLang="zh-CN" sz="1600" dirty="0" smtClean="0">
                 <a:ea typeface="宋体" pitchFamily="2" charset="-122"/>
                 <a:cs typeface="Times New Roman" pitchFamily="18" charset="0"/>
               </a:rPr>
-              <a:t> 的数据类型赋值给</a:t>
-            </a:r>
-            <a:r>
-              <a:rPr lang="zh-CN" altLang="en-US" sz="1600">
+              <a:t/>
+            </a:r>
+            <a:br>
+              <a:rPr lang="en-US" altLang="zh-CN" sz="1600" dirty="0" smtClean="0">
                 <a:ea typeface="宋体" pitchFamily="2" charset="-122"/>
                 <a:cs typeface="Times New Roman" pitchFamily="18" charset="0"/>
               </a:rPr>
-              <a:t>精度</a:t>
-            </a:r>
-            <a:r>
-              <a:rPr lang="en-US" altLang="zh-CN" sz="1600">
-                <a:ea typeface="宋体" pitchFamily="2" charset="-122"/>
-                <a:cs typeface="Times New Roman" pitchFamily="18" charset="0"/>
-              </a:rPr>
-              <a:t>(</a:t>
-            </a:r>
-            <a:r>
-              <a:rPr lang="zh-CN" altLang="en-US" sz="1600">
-                <a:ea typeface="宋体" pitchFamily="2" charset="-122"/>
-                <a:cs typeface="Times New Roman" pitchFamily="18" charset="0"/>
-              </a:rPr>
-              <a:t>容量</a:t>
-            </a:r>
-            <a:r>
-              <a:rPr lang="en-US" altLang="zh-CN" sz="1600" smtClean="0">
-                <a:ea typeface="宋体" pitchFamily="2" charset="-122"/>
-                <a:cs typeface="Times New Roman" pitchFamily="18" charset="0"/>
-              </a:rPr>
-              <a:t>)</a:t>
-            </a:r>
-            <a:r>
-              <a:rPr lang="zh-CN" altLang="en-US" sz="1600" smtClean="0">
-                <a:ea typeface="宋体" pitchFamily="2" charset="-122"/>
-                <a:cs typeface="Times New Roman" pitchFamily="18" charset="0"/>
-              </a:rPr>
-              <a:t>小 </a:t>
-            </a:r>
-            <a:r>
-              <a:rPr lang="zh-CN" altLang="en-US" sz="1600">
-                <a:ea typeface="宋体" pitchFamily="2" charset="-122"/>
-                <a:cs typeface="Times New Roman" pitchFamily="18" charset="0"/>
-              </a:rPr>
-              <a:t>的数据类</a:t>
-            </a:r>
-            <a:r>
-              <a:rPr lang="zh-CN" altLang="en-US" sz="1600" smtClean="0">
-                <a:ea typeface="宋体" pitchFamily="2" charset="-122"/>
-                <a:cs typeface="Times New Roman" pitchFamily="18" charset="0"/>
-              </a:rPr>
-              <a:t>型时，就会报错，反之就会进行自动类型转换。</a:t>
-            </a:r>
-            <a:endParaRPr lang="en-US" altLang="zh-CN" sz="1600" smtClean="0">
+            </a:br>
+            <a:endParaRPr lang="en-US" altLang="zh-CN" sz="1600" dirty="0" smtClean="0">
               <a:ea typeface="宋体" pitchFamily="2" charset="-122"/>
               <a:cs typeface="Times New Roman" pitchFamily="18" charset="0"/>
             </a:endParaRPr>
@@ -31225,54 +31279,104 @@
               <a:defRPr/>
             </a:pPr>
             <a:r>
-              <a:rPr lang="en-US" altLang="zh-CN" sz="1600" smtClean="0">
+              <a:rPr lang="en-US" altLang="zh-CN" sz="1600" dirty="0" smtClean="0">
                 <a:ea typeface="宋体" pitchFamily="2" charset="-122"/>
                 <a:cs typeface="Times New Roman" pitchFamily="18" charset="0"/>
               </a:rPr>
-              <a:t>(byte, short) </a:t>
-            </a:r>
-            <a:r>
-              <a:rPr lang="zh-CN" altLang="en-US" sz="1600" smtClean="0">
+              <a:t>byte</a:t>
+            </a:r>
+            <a:r>
+              <a:rPr lang="zh-CN" altLang="en-US" sz="1600" dirty="0" smtClean="0">
                 <a:ea typeface="宋体" pitchFamily="2" charset="-122"/>
                 <a:cs typeface="Times New Roman" pitchFamily="18" charset="0"/>
               </a:rPr>
-              <a:t>和 </a:t>
-            </a:r>
-            <a:r>
-              <a:rPr lang="en-US" altLang="zh-CN" sz="1600" smtClean="0">
+              <a:t>，</a:t>
+            </a:r>
+            <a:r>
+              <a:rPr lang="en-US" altLang="zh-CN" sz="1600" dirty="0" smtClean="0">
                 <a:ea typeface="宋体" pitchFamily="2" charset="-122"/>
                 <a:cs typeface="Times New Roman" pitchFamily="18" charset="0"/>
               </a:rPr>
-              <a:t>char</a:t>
-            </a:r>
-            <a:r>
-              <a:rPr lang="zh-CN" altLang="en-US" sz="1600">
+              <a:t>short</a:t>
+            </a:r>
+            <a:r>
+              <a:rPr lang="zh-CN" altLang="en-US" sz="1600" dirty="0" smtClean="0">
                 <a:ea typeface="宋体" pitchFamily="2" charset="-122"/>
                 <a:cs typeface="Times New Roman" pitchFamily="18" charset="0"/>
               </a:rPr>
-              <a:t>之间不会相</a:t>
-            </a:r>
-            <a:r>
-              <a:rPr lang="zh-CN" altLang="en-US" sz="1600" smtClean="0">
+              <a:t>，</a:t>
+            </a:r>
+            <a:r>
+              <a:rPr lang="en-US" altLang="zh-CN" sz="1600" dirty="0" smtClean="0">
                 <a:ea typeface="宋体" pitchFamily="2" charset="-122"/>
                 <a:cs typeface="Times New Roman" pitchFamily="18" charset="0"/>
               </a:rPr>
-              <a:t>互自动转换。</a:t>
-            </a:r>
-            <a:r>
-              <a:rPr lang="en-US" altLang="zh-CN" sz="1600" smtClean="0">
+              <a:t>char  </a:t>
+            </a:r>
+            <a:r>
+              <a:rPr lang="zh-CN" altLang="en-US" sz="1600" dirty="0" smtClean="0">
                 <a:ea typeface="宋体" pitchFamily="2" charset="-122"/>
                 <a:cs typeface="Times New Roman" pitchFamily="18" charset="0"/>
               </a:rPr>
-              <a:t/>
-            </a:r>
-            <a:br>
-              <a:rPr lang="en-US" altLang="zh-CN" sz="1600" smtClean="0">
+              <a:t>他</a:t>
+            </a:r>
+            <a:r>
+              <a:rPr lang="zh-CN" altLang="en-US" sz="1600" dirty="0">
                 <a:ea typeface="宋体" pitchFamily="2" charset="-122"/>
                 <a:cs typeface="Times New Roman" pitchFamily="18" charset="0"/>
               </a:rPr>
-            </a:br>
-            <a:endParaRPr lang="en-US" altLang="zh-CN" sz="1600" smtClean="0">
+              <a:t>们三</a:t>
+            </a:r>
+            <a:r>
+              <a:rPr lang="zh-CN" altLang="en-US" sz="1600" dirty="0" smtClean="0">
+                <a:ea typeface="宋体" pitchFamily="2" charset="-122"/>
+                <a:cs typeface="Times New Roman" pitchFamily="18" charset="0"/>
+              </a:rPr>
+              <a:t>者</a:t>
+            </a:r>
+            <a:r>
+              <a:rPr lang="zh-CN" altLang="en-US" sz="1600" dirty="0">
+                <a:ea typeface="宋体" pitchFamily="2" charset="-122"/>
+                <a:cs typeface="Times New Roman" pitchFamily="18" charset="0"/>
+              </a:rPr>
+              <a:t>可</a:t>
+            </a:r>
+            <a:r>
+              <a:rPr lang="zh-CN" altLang="en-US" sz="1600" dirty="0" smtClean="0">
+                <a:ea typeface="宋体" pitchFamily="2" charset="-122"/>
+                <a:cs typeface="Times New Roman" pitchFamily="18" charset="0"/>
+              </a:rPr>
+              <a:t>以计算，在</a:t>
+            </a:r>
+            <a:r>
+              <a:rPr lang="zh-CN" altLang="en-US" sz="1600" dirty="0">
+                <a:ea typeface="宋体" pitchFamily="2" charset="-122"/>
+                <a:cs typeface="Times New Roman" pitchFamily="18" charset="0"/>
+              </a:rPr>
+              <a:t>计算时首先转换为</a:t>
+            </a:r>
+            <a:r>
+              <a:rPr lang="en-US" altLang="zh-CN" sz="1600" dirty="0">
+                <a:ea typeface="宋体" pitchFamily="2" charset="-122"/>
+                <a:cs typeface="Times New Roman" pitchFamily="18" charset="0"/>
+              </a:rPr>
+              <a:t>int</a:t>
+            </a:r>
+            <a:r>
+              <a:rPr lang="zh-CN" altLang="en-US" sz="1600" dirty="0">
+                <a:ea typeface="宋体" pitchFamily="2" charset="-122"/>
+                <a:cs typeface="Times New Roman" pitchFamily="18" charset="0"/>
+              </a:rPr>
+              <a:t>类型</a:t>
+            </a:r>
+            <a:r>
+              <a:rPr lang="zh-CN" altLang="en-US" sz="1600" dirty="0" smtClean="0">
+                <a:ea typeface="宋体" pitchFamily="2" charset="-122"/>
+                <a:cs typeface="Times New Roman" pitchFamily="18" charset="0"/>
+              </a:rPr>
+              <a:t>。</a:t>
+            </a:r>
+            <a:endParaRPr lang="en-US" altLang="zh-CN" sz="1600" dirty="0" smtClean="0">
               <a:ea typeface="宋体" pitchFamily="2" charset="-122"/>
               <a:cs typeface="Times New Roman" pitchFamily="18" charset="0"/>
             </a:endParaRPr>
@@ -31283,122 +31387,14 @@
               <a:defRPr/>
             </a:pPr>
             <a:r>
-              <a:rPr lang="en-US" altLang="zh-CN" sz="1600" smtClean="0">
-                <a:ea typeface="宋体" pitchFamily="2" charset="-122"/>
-                <a:cs typeface="Times New Roman" pitchFamily="18" charset="0"/>
-              </a:rPr>
-              <a:t>byte</a:t>
-            </a:r>
-            <a:r>
-              <a:rPr lang="zh-CN" altLang="en-US" sz="1600" smtClean="0">
-                <a:ea typeface="宋体" pitchFamily="2" charset="-122"/>
-                <a:cs typeface="Times New Roman" pitchFamily="18" charset="0"/>
-              </a:rPr>
-              <a:t>，</a:t>
-            </a:r>
-            <a:r>
-              <a:rPr lang="en-US" altLang="zh-CN" sz="1600" smtClean="0">
-                <a:ea typeface="宋体" pitchFamily="2" charset="-122"/>
-                <a:cs typeface="Times New Roman" pitchFamily="18" charset="0"/>
-              </a:rPr>
-              <a:t>short</a:t>
-            </a:r>
-            <a:r>
-              <a:rPr lang="zh-CN" altLang="en-US" sz="1600" smtClean="0">
-                <a:ea typeface="宋体" pitchFamily="2" charset="-122"/>
-                <a:cs typeface="Times New Roman" pitchFamily="18" charset="0"/>
-              </a:rPr>
-              <a:t>，</a:t>
-            </a:r>
-            <a:r>
-              <a:rPr lang="en-US" altLang="zh-CN" sz="1600" smtClean="0">
-                <a:ea typeface="宋体" pitchFamily="2" charset="-122"/>
-                <a:cs typeface="Times New Roman" pitchFamily="18" charset="0"/>
-              </a:rPr>
-              <a:t>char  </a:t>
-            </a:r>
-            <a:r>
-              <a:rPr lang="zh-CN" altLang="en-US" sz="1600" smtClean="0">
-                <a:ea typeface="宋体" pitchFamily="2" charset="-122"/>
-                <a:cs typeface="Times New Roman" pitchFamily="18" charset="0"/>
-              </a:rPr>
-              <a:t>他</a:t>
-            </a:r>
-            <a:r>
-              <a:rPr lang="zh-CN" altLang="en-US" sz="1600">
-                <a:ea typeface="宋体" pitchFamily="2" charset="-122"/>
-                <a:cs typeface="Times New Roman" pitchFamily="18" charset="0"/>
-              </a:rPr>
-              <a:t>们三</a:t>
-            </a:r>
-            <a:r>
-              <a:rPr lang="zh-CN" altLang="en-US" sz="1600" smtClean="0">
-                <a:ea typeface="宋体" pitchFamily="2" charset="-122"/>
-                <a:cs typeface="Times New Roman" pitchFamily="18" charset="0"/>
-              </a:rPr>
-              <a:t>者</a:t>
-            </a:r>
-            <a:r>
-              <a:rPr lang="zh-CN" altLang="en-US" sz="1600">
-                <a:ea typeface="宋体" pitchFamily="2" charset="-122"/>
-                <a:cs typeface="Times New Roman" pitchFamily="18" charset="0"/>
-              </a:rPr>
-              <a:t>可</a:t>
-            </a:r>
-            <a:r>
-              <a:rPr lang="zh-CN" altLang="en-US" sz="1600" smtClean="0">
-                <a:ea typeface="宋体" pitchFamily="2" charset="-122"/>
-                <a:cs typeface="Times New Roman" pitchFamily="18" charset="0"/>
-              </a:rPr>
-              <a:t>以计算，在</a:t>
-            </a:r>
-            <a:r>
-              <a:rPr lang="zh-CN" altLang="en-US" sz="1600">
-                <a:ea typeface="宋体" pitchFamily="2" charset="-122"/>
-                <a:cs typeface="Times New Roman" pitchFamily="18" charset="0"/>
-              </a:rPr>
-              <a:t>计算时首先转换为</a:t>
-            </a:r>
-            <a:r>
-              <a:rPr lang="en-US" altLang="zh-CN" sz="1600">
-                <a:ea typeface="宋体" pitchFamily="2" charset="-122"/>
-                <a:cs typeface="Times New Roman" pitchFamily="18" charset="0"/>
-              </a:rPr>
-              <a:t>int</a:t>
-            </a:r>
-            <a:r>
-              <a:rPr lang="zh-CN" altLang="en-US" sz="1600">
-                <a:ea typeface="宋体" pitchFamily="2" charset="-122"/>
-                <a:cs typeface="Times New Roman" pitchFamily="18" charset="0"/>
-              </a:rPr>
-              <a:t>类型</a:t>
-            </a:r>
-            <a:r>
-              <a:rPr lang="zh-CN" altLang="en-US" sz="1600" smtClean="0">
-                <a:ea typeface="宋体" pitchFamily="2" charset="-122"/>
-                <a:cs typeface="Times New Roman" pitchFamily="18" charset="0"/>
-              </a:rPr>
-              <a:t>。</a:t>
-            </a:r>
-            <a:endParaRPr lang="en-US" altLang="zh-CN" sz="1600" smtClean="0">
-              <a:ea typeface="宋体" pitchFamily="2" charset="-122"/>
-              <a:cs typeface="Times New Roman" pitchFamily="18" charset="0"/>
-            </a:endParaRPr>
-          </a:p>
-          <a:p>
-            <a:pPr marL="457200" indent="-457200">
-              <a:buAutoNum type="arabicParenR"/>
-              <a:defRPr/>
-            </a:pPr>
-            <a:r>
-              <a:rPr lang="zh-CN" altLang="en-US" sz="1600"/>
+              <a:rPr lang="zh-CN" altLang="en-US" sz="1600" dirty="0"/>
               <a:t>自动提升原则： 表达式结果的类型自动提升为 操作数中最大的类</a:t>
             </a:r>
             <a:r>
-              <a:rPr lang="zh-CN" altLang="en-US" sz="1600" smtClean="0"/>
+              <a:rPr lang="zh-CN" altLang="en-US" sz="1600" dirty="0" smtClean="0"/>
               <a:t>型</a:t>
             </a:r>
-            <a:endParaRPr lang="en-US" altLang="zh-CN" sz="2000" b="1" smtClean="0">
+            <a:endParaRPr lang="en-US" altLang="zh-CN" sz="2000" b="1" dirty="0" smtClean="0">
               <a:solidFill>
                 <a:srgbClr val="0070C0"/>
               </a:solidFill>
@@ -31409,7 +31405,7 @@
             <a:pPr>
               <a:defRPr/>
             </a:pPr>
-            <a:endParaRPr lang="en-US" altLang="zh-CN" sz="2000" b="1">
+            <a:endParaRPr lang="en-US" altLang="zh-CN" sz="2000" b="1" dirty="0">
               <a:solidFill>
                 <a:srgbClr val="0070C0"/>
               </a:solidFill>
@@ -31698,7 +31694,7 @@
           <a:graphicData uri="http://schemas.openxmlformats.org/presentationml/2006/ole">
             <mc:AlternateContent xmlns:mc="http://schemas.openxmlformats.org/markup-compatibility/2006">
               <mc:Choice xmlns:v="urn:schemas-microsoft-com:vml" Requires="v">
-                <p:oleObj spid="_x0000_s7194" name="包装程序外壳对象" showAsIcon="1" r:id="rId7" imgW="826200" imgH="711360" progId="Package">
+                <p:oleObj spid="_x0000_s7197" name="包装程序外壳对象" showAsIcon="1" r:id="rId7" imgW="826200" imgH="711360" progId="Package">
                   <p:embed/>
                 </p:oleObj>
               </mc:Choice>
@@ -31755,7 +31751,7 @@
           <a:graphicData uri="http://schemas.openxmlformats.org/presentationml/2006/ole">
             <mc:AlternateContent xmlns:mc="http://schemas.openxmlformats.org/markup-compatibility/2006">
               <mc:Choice xmlns:v="urn:schemas-microsoft-com:vml" Requires="v">
-                <p:oleObj spid="_x0000_s7195" name="包装程序外壳对象" showAsIcon="1" r:id="rId9" imgW="826200" imgH="711360" progId="Package">
+                <p:oleObj spid="_x0000_s7198" name="包装程序外壳对象" showAsIcon="1" r:id="rId9" imgW="826200" imgH="711360" progId="Package">
                   <p:embed/>
                 </p:oleObj>
               </mc:Choice>
@@ -31812,7 +31808,7 @@
           <a:graphicData uri="http://schemas.openxmlformats.org/presentationml/2006/ole">
             <mc:AlternateContent xmlns:mc="http://schemas.openxmlformats.org/markup-compatibility/2006">
               <mc:Choice xmlns:v="urn:schemas-microsoft-com:vml" Requires="v">
-                <p:oleObj spid="_x0000_s7196" name="包装程序外壳对象" showAsIcon="1" r:id="rId11" imgW="826200" imgH="711360" progId="Package">
+                <p:oleObj spid="_x0000_s7199" name="包装程序外壳对象" showAsIcon="1" r:id="rId11" imgW="826200" imgH="711360" progId="Package">
                   <p:embed/>
                 </p:oleObj>
               </mc:Choice>
@@ -32605,7 +32601,7 @@
               <a:defRPr/>
             </a:pPr>
             <a:r>
-              <a:rPr lang="zh-CN" altLang="en-US" sz="2000" b="1">
+              <a:rPr lang="zh-CN" altLang="en-US" sz="2000" b="1" dirty="0">
                 <a:solidFill>
                   <a:srgbClr val="0070C0"/>
                 </a:solidFill>
@@ -32614,7 +32610,7 @@
               <a:t>强制</a:t>
             </a:r>
             <a:r>
-              <a:rPr lang="zh-CN" altLang="en-US" sz="2000" b="1" smtClean="0">
+              <a:rPr lang="zh-CN" altLang="en-US" sz="2000" b="1" dirty="0" smtClean="0">
                 <a:solidFill>
                   <a:srgbClr val="0070C0"/>
                 </a:solidFill>
@@ -32623,7 +32619,7 @@
               <a:t>类</a:t>
             </a:r>
             <a:r>
-              <a:rPr lang="zh-CN" altLang="en-US" sz="2000" b="1">
+              <a:rPr lang="zh-CN" altLang="en-US" sz="2000" b="1" dirty="0">
                 <a:solidFill>
                   <a:srgbClr val="0070C0"/>
                 </a:solidFill>
@@ -32631,7 +32627,7 @@
               </a:rPr>
               <a:t>型转换</a:t>
             </a:r>
-            <a:endParaRPr lang="en-US" altLang="zh-CN" sz="2000" b="1" smtClean="0">
+            <a:endParaRPr lang="en-US" altLang="zh-CN" sz="2000" b="1" dirty="0" smtClean="0">
               <a:solidFill>
                 <a:srgbClr val="0070C0"/>
               </a:solidFill>
@@ -32642,7 +32638,7 @@
             <a:pPr>
               <a:defRPr/>
             </a:pPr>
-            <a:endParaRPr lang="en-US" altLang="zh-CN" sz="2000" b="1">
+            <a:endParaRPr lang="en-US" altLang="zh-CN" sz="2000" b="1" dirty="0">
               <a:solidFill>
                 <a:srgbClr val="0070C0"/>
               </a:solidFill>
@@ -32656,20 +32652,20 @@
               <a:defRPr/>
             </a:pPr>
             <a:r>
-              <a:rPr lang="zh-CN" altLang="en-US" sz="2000" b="1" smtClean="0">
+              <a:rPr lang="zh-CN" altLang="en-US" sz="2000" b="1" dirty="0" smtClean="0">
                 <a:ea typeface="宋体" panose="02010600030101010101" pitchFamily="2" charset="-122"/>
                 <a:cs typeface="Times New Roman" pitchFamily="18" charset="0"/>
               </a:rPr>
               <a:t>介</a:t>
             </a:r>
             <a:r>
-              <a:rPr lang="zh-CN" altLang="en-US" sz="2000" b="1">
+              <a:rPr lang="zh-CN" altLang="en-US" sz="2000" b="1" dirty="0">
                 <a:ea typeface="宋体" panose="02010600030101010101" pitchFamily="2" charset="-122"/>
                 <a:cs typeface="Times New Roman" pitchFamily="18" charset="0"/>
               </a:rPr>
               <a:t>绍</a:t>
             </a:r>
-            <a:endParaRPr lang="en-US" altLang="zh-CN" sz="2000" b="1" smtClean="0">
+            <a:endParaRPr lang="en-US" altLang="zh-CN" sz="2000" b="1" dirty="0" smtClean="0">
               <a:ea typeface="宋体" panose="02010600030101010101" pitchFamily="2" charset="-122"/>
               <a:cs typeface="Times New Roman" pitchFamily="18" charset="0"/>
             </a:endParaRPr>
@@ -32679,42 +32675,42 @@
               <a:defRPr/>
             </a:pPr>
             <a:r>
-              <a:rPr lang="zh-CN" altLang="en-US" smtClean="0">
+              <a:rPr lang="zh-CN" altLang="en-US" dirty="0" smtClean="0">
                 <a:ea typeface="宋体" pitchFamily="2" charset="-122"/>
                 <a:cs typeface="Times New Roman" pitchFamily="18" charset="0"/>
               </a:rPr>
               <a:t>自</a:t>
             </a:r>
             <a:r>
-              <a:rPr lang="zh-CN" altLang="en-US">
+              <a:rPr lang="zh-CN" altLang="en-US" dirty="0">
                 <a:ea typeface="宋体" pitchFamily="2" charset="-122"/>
                 <a:cs typeface="Times New Roman" pitchFamily="18" charset="0"/>
               </a:rPr>
               <a:t>动类型转换的逆过程，将容量大的数据类型转换为容量小的数据类型。使用时要加上强制</a:t>
             </a:r>
             <a:r>
-              <a:rPr lang="zh-CN" altLang="en-US" smtClean="0">
+              <a:rPr lang="zh-CN" altLang="en-US" dirty="0" smtClean="0">
                 <a:ea typeface="宋体" pitchFamily="2" charset="-122"/>
                 <a:cs typeface="Times New Roman" pitchFamily="18" charset="0"/>
               </a:rPr>
               <a:t>转</a:t>
             </a:r>
             <a:r>
-              <a:rPr lang="zh-CN" altLang="en-US">
+              <a:rPr lang="zh-CN" altLang="en-US" dirty="0">
                 <a:ea typeface="宋体" pitchFamily="2" charset="-122"/>
                 <a:cs typeface="Times New Roman" pitchFamily="18" charset="0"/>
               </a:rPr>
               <a:t>函数</a:t>
             </a:r>
             <a:r>
-              <a:rPr lang="zh-CN" altLang="en-US" smtClean="0">
+              <a:rPr lang="zh-CN" altLang="en-US" dirty="0" smtClean="0">
                 <a:ea typeface="宋体" pitchFamily="2" charset="-122"/>
                 <a:cs typeface="Times New Roman" pitchFamily="18" charset="0"/>
               </a:rPr>
               <a:t>，</a:t>
             </a:r>
             <a:r>
-              <a:rPr lang="zh-CN" altLang="en-US" sz="2000" b="1">
+              <a:rPr lang="zh-CN" altLang="en-US" sz="2000" b="1" dirty="0">
                 <a:solidFill>
                   <a:srgbClr val="E60000"/>
                 </a:solidFill>
@@ -32724,14 +32720,14 @@
               <a:t>但可能造成精度降低或溢出</a:t>
             </a:r>
             <a:r>
-              <a:rPr lang="en-US" altLang="zh-CN">
+              <a:rPr lang="en-US" altLang="zh-CN" dirty="0">
                 <a:ea typeface="宋体" pitchFamily="2" charset="-122"/>
                 <a:cs typeface="Times New Roman" pitchFamily="18" charset="0"/>
               </a:rPr>
               <a:t>,</a:t>
             </a:r>
             <a:r>
-              <a:rPr lang="zh-CN" altLang="en-US">
+              <a:rPr lang="zh-CN" altLang="en-US" dirty="0">
                 <a:ea typeface="宋体" pitchFamily="2" charset="-122"/>
                 <a:cs typeface="Times New Roman" pitchFamily="18" charset="0"/>
               </a:rPr>
@@ -32742,7 +32738,7 @@
             <a:pPr>
               <a:defRPr/>
             </a:pPr>
-            <a:endParaRPr lang="en-US" altLang="zh-CN" sz="2000" b="1" smtClean="0">
+            <a:endParaRPr lang="en-US" altLang="zh-CN" sz="2000" b="1" dirty="0" smtClean="0">
               <a:solidFill>
                 <a:srgbClr val="0070C0"/>
               </a:solidFill>
@@ -32756,12 +32752,12 @@
               <a:defRPr/>
             </a:pPr>
             <a:r>
-              <a:rPr lang="zh-CN" altLang="en-US" sz="2000" b="1" smtClean="0">
+              <a:rPr lang="zh-CN" altLang="en-US" sz="2000" b="1" dirty="0" smtClean="0">
                 <a:ea typeface="宋体" panose="02010600030101010101" pitchFamily="2" charset="-122"/>
               </a:rPr>
               <a:t>案例演示</a:t>
             </a:r>
-            <a:endParaRPr lang="en-US" altLang="zh-CN" sz="2000" b="1" smtClean="0">
+            <a:endParaRPr lang="en-US" altLang="zh-CN" sz="2000" b="1" dirty="0" smtClean="0">
               <a:ea typeface="宋体" panose="02010600030101010101" pitchFamily="2" charset="-122"/>
             </a:endParaRPr>
           </a:p>
@@ -32769,7 +32765,7 @@
             <a:pPr>
               <a:defRPr/>
             </a:pPr>
-            <a:endParaRPr lang="en-US" altLang="zh-CN" sz="2000" b="1" smtClean="0">
+            <a:endParaRPr lang="en-US" altLang="zh-CN" sz="2000" b="1" dirty="0" smtClean="0">
               <a:solidFill>
                 <a:srgbClr val="0070C0"/>
               </a:solidFill>
@@ -32781,7 +32777,7 @@
               <a:defRPr/>
             </a:pPr>
             <a:r>
-              <a:rPr lang="en-US" altLang="zh-CN" smtClean="0">
+              <a:rPr lang="en-US" altLang="zh-CN" dirty="0" smtClean="0">
                 <a:latin typeface="Arial" pitchFamily="34" charset="0"/>
                 <a:cs typeface="Arial" pitchFamily="34" charset="0"/>
               </a:rPr>
@@ -32793,34 +32789,27 @@
               <a:defRPr/>
             </a:pPr>
             <a:r>
-              <a:rPr lang="en-US" altLang="zh-CN">
+              <a:rPr lang="en-US" altLang="zh-CN" dirty="0">
                 <a:latin typeface="Arial" pitchFamily="34" charset="0"/>
                 <a:cs typeface="Arial" pitchFamily="34" charset="0"/>
               </a:rPr>
-              <a:t>scala :  var num : Int = </a:t>
-            </a:r>
-            <a:r>
-              <a:rPr lang="en-US" altLang="zh-CN">
+              <a:t>scala :  var num : Int =  </a:t>
+            </a:r>
+            <a:r>
+              <a:rPr lang="en-US" altLang="zh-CN" dirty="0" smtClean="0">
                 <a:latin typeface="Arial" pitchFamily="34" charset="0"/>
                 <a:cs typeface="Arial" pitchFamily="34" charset="0"/>
               </a:rPr>
-              <a:t> </a:t>
-            </a:r>
-            <a:r>
-              <a:rPr lang="en-US" altLang="zh-CN" smtClean="0">
+              <a:t>2.7.toInt  //</a:t>
+            </a:r>
+            <a:r>
+              <a:rPr lang="zh-CN" altLang="en-US" dirty="0" smtClean="0">
                 <a:latin typeface="Arial" pitchFamily="34" charset="0"/>
                 <a:cs typeface="Arial" pitchFamily="34" charset="0"/>
               </a:rPr>
-              <a:t>2.7.toInt  //</a:t>
-            </a:r>
-            <a:r>
-              <a:rPr lang="zh-CN" altLang="en-US" smtClean="0">
-                <a:latin typeface="Arial" pitchFamily="34" charset="0"/>
-                <a:cs typeface="Arial" pitchFamily="34" charset="0"/>
-              </a:rPr>
               <a:t>对象</a:t>
             </a:r>
-            <a:endParaRPr lang="en-US" altLang="zh-CN">
+            <a:endParaRPr lang="en-US" altLang="zh-CN" dirty="0">
               <a:latin typeface="Arial" pitchFamily="34" charset="0"/>
               <a:cs typeface="Arial" pitchFamily="34" charset="0"/>
             </a:endParaRPr>
@@ -32829,7 +32818,7 @@
             <a:pPr>
               <a:defRPr/>
             </a:pPr>
-            <a:endParaRPr lang="en-US" altLang="zh-CN" sz="2000" b="1" smtClean="0">
+            <a:endParaRPr lang="en-US" altLang="zh-CN" sz="2000" b="1" dirty="0" smtClean="0">
               <a:solidFill>
                 <a:srgbClr val="0070C0"/>
               </a:solidFill>
@@ -32840,7 +32829,7 @@
             <a:pPr>
               <a:defRPr/>
             </a:pPr>
-            <a:endParaRPr lang="en-US" altLang="zh-CN" sz="2000" b="1">
+            <a:endParaRPr lang="en-US" altLang="zh-CN" sz="2000" b="1" dirty="0">
               <a:solidFill>
                 <a:srgbClr val="0070C0"/>
               </a:solidFill>
@@ -32851,7 +32840,7 @@
             <a:pPr>
               <a:defRPr/>
             </a:pPr>
-            <a:endParaRPr lang="en-US" altLang="zh-CN" sz="2000" b="1" smtClean="0">
+            <a:endParaRPr lang="en-US" altLang="zh-CN" sz="2000" b="1" dirty="0" smtClean="0">
               <a:solidFill>
                 <a:srgbClr val="0070C0"/>
               </a:solidFill>
@@ -33112,7 +33101,7 @@
               <a:defRPr/>
             </a:pPr>
             <a:r>
-              <a:rPr lang="zh-CN" altLang="en-US" sz="2000" b="1">
+              <a:rPr lang="zh-CN" altLang="en-US" sz="2000" b="1" dirty="0">
                 <a:solidFill>
                   <a:srgbClr val="0070C0"/>
                 </a:solidFill>
@@ -33121,7 +33110,7 @@
               <a:t>强制</a:t>
             </a:r>
             <a:r>
-              <a:rPr lang="zh-CN" altLang="en-US" sz="2000" b="1" smtClean="0">
+              <a:rPr lang="zh-CN" altLang="en-US" sz="2000" b="1" dirty="0" smtClean="0">
                 <a:solidFill>
                   <a:srgbClr val="0070C0"/>
                 </a:solidFill>
@@ -33130,7 +33119,7 @@
               <a:t>类</a:t>
             </a:r>
             <a:r>
-              <a:rPr lang="zh-CN" altLang="en-US" sz="2000" b="1">
+              <a:rPr lang="zh-CN" altLang="en-US" sz="2000" b="1" dirty="0">
                 <a:solidFill>
                   <a:srgbClr val="0070C0"/>
                 </a:solidFill>
@@ -33138,7 +33127,7 @@
               </a:rPr>
               <a:t>型转换</a:t>
             </a:r>
-            <a:endParaRPr lang="en-US" altLang="zh-CN" sz="2000" b="1" smtClean="0">
+            <a:endParaRPr lang="en-US" altLang="zh-CN" sz="2000" b="1" dirty="0" smtClean="0">
               <a:solidFill>
                 <a:srgbClr val="0070C0"/>
               </a:solidFill>
@@ -33149,7 +33138,7 @@
             <a:pPr>
               <a:defRPr/>
             </a:pPr>
-            <a:endParaRPr lang="en-US" altLang="zh-CN" sz="2000" b="1">
+            <a:endParaRPr lang="en-US" altLang="zh-CN" sz="2000" b="1" dirty="0">
               <a:solidFill>
                 <a:srgbClr val="0070C0"/>
               </a:solidFill>
@@ -33163,20 +33152,20 @@
               <a:defRPr/>
             </a:pPr>
             <a:r>
-              <a:rPr lang="zh-CN" altLang="en-US" sz="2000" b="1">
+              <a:rPr lang="zh-CN" altLang="en-US" sz="2000" b="1" dirty="0">
                 <a:ea typeface="宋体" panose="02010600030101010101" pitchFamily="2" charset="-122"/>
                 <a:cs typeface="Times New Roman" pitchFamily="18" charset="0"/>
               </a:rPr>
               <a:t>强</a:t>
             </a:r>
             <a:r>
-              <a:rPr lang="zh-CN" altLang="en-US" sz="2000" b="1" smtClean="0">
+              <a:rPr lang="zh-CN" altLang="en-US" sz="2000" b="1" dirty="0" smtClean="0">
                 <a:ea typeface="宋体" panose="02010600030101010101" pitchFamily="2" charset="-122"/>
                 <a:cs typeface="Times New Roman" pitchFamily="18" charset="0"/>
               </a:rPr>
               <a:t>制类型转换细节说明</a:t>
             </a:r>
-            <a:endParaRPr lang="en-US" altLang="zh-CN" sz="2000" b="1" smtClean="0">
+            <a:endParaRPr lang="en-US" altLang="zh-CN" sz="2000" b="1" dirty="0" smtClean="0">
               <a:ea typeface="宋体" panose="02010600030101010101" pitchFamily="2" charset="-122"/>
               <a:cs typeface="Times New Roman" pitchFamily="18" charset="0"/>
             </a:endParaRPr>
@@ -33187,7 +33176,7 @@
               <a:buChar char="•"/>
               <a:defRPr/>
             </a:pPr>
-            <a:endParaRPr lang="en-US" altLang="zh-CN" sz="2000" b="1" smtClean="0">
+            <a:endParaRPr lang="en-US" altLang="zh-CN" sz="2000" b="1" dirty="0" smtClean="0">
               <a:ea typeface="宋体" panose="02010600030101010101" pitchFamily="2" charset="-122"/>
               <a:cs typeface="Times New Roman" pitchFamily="18" charset="0"/>
             </a:endParaRPr>
@@ -33198,41 +33187,48 @@
               <a:defRPr/>
             </a:pPr>
             <a:r>
-              <a:rPr lang="zh-CN" altLang="en-US" smtClean="0">
+              <a:rPr lang="zh-CN" altLang="en-US" dirty="0" smtClean="0">
                 <a:ea typeface="宋体" pitchFamily="2" charset="-122"/>
                 <a:cs typeface="Times New Roman" pitchFamily="18" charset="0"/>
               </a:rPr>
-              <a:t>当进行数据的</a:t>
-            </a:r>
-            <a:r>
-              <a:rPr lang="zh-CN" altLang="en-US">
+              <a:t>当进</a:t>
+            </a:r>
+            <a:r>
+              <a:rPr lang="zh-CN" altLang="en-US" dirty="0" smtClean="0">
                 <a:ea typeface="宋体" pitchFamily="2" charset="-122"/>
                 <a:cs typeface="Times New Roman" pitchFamily="18" charset="0"/>
               </a:rPr>
-              <a:t> </a:t>
-            </a:r>
-            <a:r>
-              <a:rPr lang="zh-CN" altLang="en-US" smtClean="0">
+              <a:t>行数据的</a:t>
+            </a:r>
+            <a:r>
+              <a:rPr lang="zh-CN" altLang="en-US" dirty="0">
                 <a:ea typeface="宋体" pitchFamily="2" charset="-122"/>
                 <a:cs typeface="Times New Roman" pitchFamily="18" charset="0"/>
               </a:rPr>
-              <a:t>从 大</a:t>
-            </a:r>
-            <a:r>
-              <a:rPr lang="en-US" altLang="zh-CN" smtClean="0">
+              <a:t> </a:t>
+            </a:r>
+            <a:r>
+              <a:rPr lang="zh-CN" altLang="en-US" dirty="0" smtClean="0">
                 <a:ea typeface="宋体" pitchFamily="2" charset="-122"/>
                 <a:cs typeface="Times New Roman" pitchFamily="18" charset="0"/>
               </a:rPr>
-              <a:t>——&gt;</a:t>
-            </a:r>
-            <a:r>
-              <a:rPr lang="zh-CN" altLang="en-US" smtClean="0">
+              <a:t>从 大</a:t>
+            </a:r>
+            <a:r>
+              <a:rPr lang="en-US" altLang="zh-CN" dirty="0" smtClean="0">
                 <a:ea typeface="宋体" pitchFamily="2" charset="-122"/>
                 <a:cs typeface="Times New Roman" pitchFamily="18" charset="0"/>
               </a:rPr>
+              <a:t>——&gt;</a:t>
+            </a:r>
+            <a:r>
+              <a:rPr lang="zh-CN" altLang="en-US" dirty="0" smtClean="0">
+                <a:ea typeface="宋体" pitchFamily="2" charset="-122"/>
+                <a:cs typeface="Times New Roman" pitchFamily="18" charset="0"/>
+              </a:rPr>
               <a:t>小，就需要使用到强制转换</a:t>
             </a:r>
-            <a:endParaRPr lang="en-US" altLang="zh-CN" smtClean="0">
+            <a:endParaRPr lang="en-US" altLang="zh-CN" dirty="0" smtClean="0">
               <a:ea typeface="宋体" pitchFamily="2" charset="-122"/>
               <a:cs typeface="Times New Roman" pitchFamily="18" charset="0"/>
             </a:endParaRPr>
@@ -33243,86 +33239,93 @@
               <a:defRPr/>
             </a:pPr>
             <a:r>
-              <a:rPr lang="zh-CN" altLang="en-US" b="1" smtClean="0">
+              <a:rPr lang="zh-CN" altLang="en-US" b="1" dirty="0" smtClean="0">
                 <a:ea typeface="宋体" pitchFamily="2" charset="-122"/>
                 <a:cs typeface="Times New Roman" pitchFamily="18" charset="0"/>
               </a:rPr>
               <a:t>强</a:t>
             </a:r>
             <a:r>
-              <a:rPr lang="zh-CN" altLang="en-US" b="1">
+              <a:rPr lang="zh-CN" altLang="en-US" b="1" dirty="0" smtClean="0">
                 <a:ea typeface="宋体" pitchFamily="2" charset="-122"/>
                 <a:cs typeface="Times New Roman" pitchFamily="18" charset="0"/>
               </a:rPr>
-              <a:t>转符号只针对于最近的操作数有效</a:t>
-            </a:r>
-            <a:r>
-              <a:rPr lang="zh-CN" altLang="en-US">
+              <a:t>转符</a:t>
+            </a:r>
+            <a:r>
+              <a:rPr lang="zh-CN" altLang="en-US" b="1" dirty="0">
                 <a:ea typeface="宋体" pitchFamily="2" charset="-122"/>
                 <a:cs typeface="Times New Roman" pitchFamily="18" charset="0"/>
               </a:rPr>
-              <a:t>，往往会使用小括号提升优先</a:t>
-            </a:r>
-            <a:r>
-              <a:rPr lang="zh-CN" altLang="en-US" smtClean="0">
+              <a:t>号只针对于最近的操作数有效</a:t>
+            </a:r>
+            <a:r>
+              <a:rPr lang="zh-CN" altLang="en-US" dirty="0">
                 <a:ea typeface="宋体" pitchFamily="2" charset="-122"/>
                 <a:cs typeface="Times New Roman" pitchFamily="18" charset="0"/>
               </a:rPr>
-              <a:t>级</a:t>
-            </a:r>
-            <a:r>
-              <a:rPr lang="en-US" altLang="zh-CN" smtClean="0">
+              <a:t>，往往会使用小括号提升优先</a:t>
+            </a:r>
+            <a:r>
+              <a:rPr lang="zh-CN" altLang="en-US" dirty="0" smtClean="0">
                 <a:ea typeface="宋体" pitchFamily="2" charset="-122"/>
                 <a:cs typeface="Times New Roman" pitchFamily="18" charset="0"/>
               </a:rPr>
-              <a:t/>
-            </a:r>
-            <a:br>
-              <a:rPr lang="en-US" altLang="zh-CN" smtClean="0">
+              <a:t>级</a:t>
+            </a:r>
+            <a:r>
+              <a:rPr lang="en-US" altLang="zh-CN" dirty="0" smtClean="0">
                 <a:ea typeface="宋体" pitchFamily="2" charset="-122"/>
                 <a:cs typeface="Times New Roman" pitchFamily="18" charset="0"/>
               </a:rPr>
-            </a:br>
-            <a:r>
-              <a:rPr lang="en-US" altLang="zh-CN" smtClean="0">
+              <a:t/>
+            </a:r>
+            <a:br>
+              <a:rPr lang="en-US" altLang="zh-CN" dirty="0" smtClean="0">
                 <a:ea typeface="宋体" pitchFamily="2" charset="-122"/>
                 <a:cs typeface="Times New Roman" pitchFamily="18" charset="0"/>
               </a:rPr>
-              <a:t/>
-            </a:r>
-            <a:br>
-              <a:rPr lang="en-US" altLang="zh-CN" smtClean="0">
+            </a:br>
+            <a:r>
+              <a:rPr lang="en-US" altLang="zh-CN" dirty="0" smtClean="0">
                 <a:ea typeface="宋体" pitchFamily="2" charset="-122"/>
                 <a:cs typeface="Times New Roman" pitchFamily="18" charset="0"/>
               </a:rPr>
-            </a:br>
-            <a:r>
-              <a:rPr lang="en-US" altLang="zh-CN" smtClean="0">
+              <a:t/>
+            </a:r>
+            <a:br>
+              <a:rPr lang="en-US" altLang="zh-CN" dirty="0" smtClean="0">
                 <a:ea typeface="宋体" pitchFamily="2" charset="-122"/>
                 <a:cs typeface="Times New Roman" pitchFamily="18" charset="0"/>
               </a:rPr>
-              <a:t/>
-            </a:r>
-            <a:br>
-              <a:rPr lang="en-US" altLang="zh-CN" smtClean="0">
+            </a:br>
+            <a:r>
+              <a:rPr lang="en-US" altLang="zh-CN" dirty="0" smtClean="0">
                 <a:ea typeface="宋体" pitchFamily="2" charset="-122"/>
                 <a:cs typeface="Times New Roman" pitchFamily="18" charset="0"/>
               </a:rPr>
-            </a:br>
-            <a:r>
-              <a:rPr lang="en-US" altLang="zh-CN" smtClean="0">
+              <a:t/>
+            </a:r>
+            <a:br>
+              <a:rPr lang="en-US" altLang="zh-CN" dirty="0" smtClean="0">
                 <a:ea typeface="宋体" pitchFamily="2" charset="-122"/>
                 <a:cs typeface="Times New Roman" pitchFamily="18" charset="0"/>
               </a:rPr>
-              <a:t/>
-            </a:r>
-            <a:br>
-              <a:rPr lang="en-US" altLang="zh-CN" smtClean="0">
+            </a:br>
+            <a:r>
+              <a:rPr lang="en-US" altLang="zh-CN" dirty="0" smtClean="0">
                 <a:ea typeface="宋体" pitchFamily="2" charset="-122"/>
                 <a:cs typeface="Times New Roman" pitchFamily="18" charset="0"/>
               </a:rPr>
+              <a:t/>
+            </a:r>
+            <a:br>
+              <a:rPr lang="en-US" altLang="zh-CN" dirty="0" smtClean="0">
+                <a:ea typeface="宋体" pitchFamily="2" charset="-122"/>
+                <a:cs typeface="Times New Roman" pitchFamily="18" charset="0"/>
+              </a:rPr>
             </a:br>
-            <a:endParaRPr lang="en-US" altLang="zh-CN" smtClean="0">
+            <a:endParaRPr lang="en-US" altLang="zh-CN" dirty="0" smtClean="0">
               <a:ea typeface="宋体" pitchFamily="2" charset="-122"/>
               <a:cs typeface="Times New Roman" pitchFamily="18" charset="0"/>
             </a:endParaRPr>
@@ -33333,83 +33336,83 @@
               <a:defRPr/>
             </a:pPr>
             <a:r>
-              <a:rPr lang="en-US" altLang="zh-CN">
+              <a:rPr lang="en-US" altLang="zh-CN" dirty="0">
                 <a:ea typeface="宋体" pitchFamily="2" charset="-122"/>
                 <a:cs typeface="Times New Roman" pitchFamily="18" charset="0"/>
               </a:rPr>
               <a:t>C</a:t>
             </a:r>
             <a:r>
-              <a:rPr lang="en-US" altLang="zh-CN" smtClean="0">
+              <a:rPr lang="en-US" altLang="zh-CN" dirty="0" smtClean="0">
                 <a:ea typeface="宋体" pitchFamily="2" charset="-122"/>
                 <a:cs typeface="Times New Roman" pitchFamily="18" charset="0"/>
               </a:rPr>
               <a:t>har</a:t>
             </a:r>
             <a:r>
-              <a:rPr lang="zh-CN" altLang="en-US">
+              <a:rPr lang="zh-CN" altLang="en-US" dirty="0">
                 <a:ea typeface="宋体" pitchFamily="2" charset="-122"/>
                 <a:cs typeface="Times New Roman" pitchFamily="18" charset="0"/>
               </a:rPr>
               <a:t>类型可以保存 </a:t>
             </a:r>
             <a:r>
-              <a:rPr lang="en-US" altLang="zh-CN">
+              <a:rPr lang="en-US" altLang="zh-CN" dirty="0">
                 <a:ea typeface="宋体" pitchFamily="2" charset="-122"/>
                 <a:cs typeface="Times New Roman" pitchFamily="18" charset="0"/>
               </a:rPr>
               <a:t>I</a:t>
             </a:r>
             <a:r>
-              <a:rPr lang="en-US" altLang="zh-CN" smtClean="0">
+              <a:rPr lang="en-US" altLang="zh-CN" dirty="0" smtClean="0">
                 <a:ea typeface="宋体" pitchFamily="2" charset="-122"/>
                 <a:cs typeface="Times New Roman" pitchFamily="18" charset="0"/>
               </a:rPr>
               <a:t>nt</a:t>
             </a:r>
             <a:r>
-              <a:rPr lang="zh-CN" altLang="en-US">
+              <a:rPr lang="zh-CN" altLang="en-US" dirty="0">
                 <a:ea typeface="宋体" pitchFamily="2" charset="-122"/>
                 <a:cs typeface="Times New Roman" pitchFamily="18" charset="0"/>
               </a:rPr>
               <a:t>的常量值，但不能保</a:t>
             </a:r>
             <a:r>
-              <a:rPr lang="zh-CN" altLang="en-US" smtClean="0">
+              <a:rPr lang="zh-CN" altLang="en-US" dirty="0" smtClean="0">
                 <a:ea typeface="宋体" pitchFamily="2" charset="-122"/>
                 <a:cs typeface="Times New Roman" pitchFamily="18" charset="0"/>
               </a:rPr>
               <a:t>存</a:t>
             </a:r>
             <a:r>
-              <a:rPr lang="en-US" altLang="zh-CN">
+              <a:rPr lang="en-US" altLang="zh-CN" dirty="0">
                 <a:ea typeface="宋体" pitchFamily="2" charset="-122"/>
                 <a:cs typeface="Times New Roman" pitchFamily="18" charset="0"/>
               </a:rPr>
               <a:t>I</a:t>
             </a:r>
             <a:r>
-              <a:rPr lang="en-US" altLang="zh-CN" smtClean="0">
+              <a:rPr lang="en-US" altLang="zh-CN" dirty="0" smtClean="0">
                 <a:ea typeface="宋体" pitchFamily="2" charset="-122"/>
                 <a:cs typeface="Times New Roman" pitchFamily="18" charset="0"/>
               </a:rPr>
               <a:t>nt</a:t>
             </a:r>
             <a:r>
-              <a:rPr lang="zh-CN" altLang="en-US">
+              <a:rPr lang="zh-CN" altLang="en-US" dirty="0">
                 <a:ea typeface="宋体" pitchFamily="2" charset="-122"/>
                 <a:cs typeface="Times New Roman" pitchFamily="18" charset="0"/>
               </a:rPr>
               <a:t>的变量值，需要强</a:t>
             </a:r>
             <a:r>
-              <a:rPr lang="zh-CN" altLang="en-US" smtClean="0">
+              <a:rPr lang="zh-CN" altLang="en-US" dirty="0" smtClean="0">
                 <a:ea typeface="宋体" pitchFamily="2" charset="-122"/>
                 <a:cs typeface="Times New Roman" pitchFamily="18" charset="0"/>
               </a:rPr>
               <a:t>转</a:t>
             </a:r>
-            <a:endParaRPr lang="en-US" altLang="zh-CN" smtClean="0">
+            <a:endParaRPr lang="en-US" altLang="zh-CN" dirty="0" smtClean="0">
               <a:ea typeface="宋体" pitchFamily="2" charset="-122"/>
               <a:cs typeface="Times New Roman" pitchFamily="18" charset="0"/>
             </a:endParaRPr>
@@ -33420,49 +33423,49 @@
               <a:defRPr/>
             </a:pPr>
             <a:r>
-              <a:rPr lang="en-US" altLang="zh-CN">
+              <a:rPr lang="en-US" altLang="zh-CN" dirty="0">
                 <a:ea typeface="宋体" pitchFamily="2" charset="-122"/>
                 <a:cs typeface="Times New Roman" pitchFamily="18" charset="0"/>
               </a:rPr>
               <a:t>B</a:t>
             </a:r>
             <a:r>
-              <a:rPr lang="en-US" altLang="zh-CN" smtClean="0">
+              <a:rPr lang="en-US" altLang="zh-CN" dirty="0" smtClean="0">
                 <a:ea typeface="宋体" pitchFamily="2" charset="-122"/>
                 <a:cs typeface="Times New Roman" pitchFamily="18" charset="0"/>
               </a:rPr>
               <a:t>yte</a:t>
             </a:r>
             <a:r>
-              <a:rPr lang="zh-CN" altLang="en-US" smtClean="0">
+              <a:rPr lang="zh-CN" altLang="en-US" dirty="0" smtClean="0">
                 <a:ea typeface="宋体" pitchFamily="2" charset="-122"/>
                 <a:cs typeface="Times New Roman" pitchFamily="18" charset="0"/>
               </a:rPr>
               <a:t>和</a:t>
             </a:r>
             <a:r>
-              <a:rPr lang="en-US" altLang="zh-CN">
+              <a:rPr lang="en-US" altLang="zh-CN" dirty="0">
                 <a:ea typeface="宋体" pitchFamily="2" charset="-122"/>
                 <a:cs typeface="Times New Roman" pitchFamily="18" charset="0"/>
               </a:rPr>
               <a:t>S</a:t>
             </a:r>
             <a:r>
-              <a:rPr lang="en-US" altLang="zh-CN" smtClean="0">
+              <a:rPr lang="en-US" altLang="zh-CN" dirty="0" smtClean="0">
                 <a:ea typeface="宋体" pitchFamily="2" charset="-122"/>
                 <a:cs typeface="Times New Roman" pitchFamily="18" charset="0"/>
               </a:rPr>
               <a:t>hort</a:t>
             </a:r>
             <a:r>
-              <a:rPr lang="zh-CN" altLang="en-US">
+              <a:rPr lang="zh-CN" altLang="en-US" dirty="0">
                 <a:ea typeface="宋体" pitchFamily="2" charset="-122"/>
                 <a:cs typeface="Times New Roman" pitchFamily="18" charset="0"/>
               </a:rPr>
               <a:t>类型在</a:t>
             </a:r>
             <a:r>
-              <a:rPr lang="zh-CN" altLang="en-US" b="1">
+              <a:rPr lang="zh-CN" altLang="en-US" b="1" dirty="0">
                 <a:solidFill>
                   <a:srgbClr val="FF0000"/>
                 </a:solidFill>
@@ -33472,48 +33475,48 @@
               <a:t>进行运算</a:t>
             </a:r>
             <a:r>
-              <a:rPr lang="zh-CN" altLang="en-US">
+              <a:rPr lang="zh-CN" altLang="en-US" dirty="0">
                 <a:ea typeface="宋体" pitchFamily="2" charset="-122"/>
                 <a:cs typeface="Times New Roman" pitchFamily="18" charset="0"/>
               </a:rPr>
               <a:t>时，当</a:t>
             </a:r>
             <a:r>
-              <a:rPr lang="zh-CN" altLang="en-US" smtClean="0">
+              <a:rPr lang="zh-CN" altLang="en-US" dirty="0" smtClean="0">
                 <a:ea typeface="宋体" pitchFamily="2" charset="-122"/>
                 <a:cs typeface="Times New Roman" pitchFamily="18" charset="0"/>
               </a:rPr>
               <a:t>做</a:t>
             </a:r>
             <a:r>
-              <a:rPr lang="en-US" altLang="zh-CN">
+              <a:rPr lang="en-US" altLang="zh-CN" dirty="0">
                 <a:ea typeface="宋体" pitchFamily="2" charset="-122"/>
                 <a:cs typeface="Times New Roman" pitchFamily="18" charset="0"/>
               </a:rPr>
               <a:t>I</a:t>
             </a:r>
             <a:r>
-              <a:rPr lang="en-US" altLang="zh-CN" smtClean="0">
+              <a:rPr lang="en-US" altLang="zh-CN" dirty="0" smtClean="0">
                 <a:ea typeface="宋体" pitchFamily="2" charset="-122"/>
                 <a:cs typeface="Times New Roman" pitchFamily="18" charset="0"/>
               </a:rPr>
               <a:t>nt</a:t>
             </a:r>
             <a:r>
-              <a:rPr lang="zh-CN" altLang="en-US">
+              <a:rPr lang="zh-CN" altLang="en-US" dirty="0">
                 <a:ea typeface="宋体" pitchFamily="2" charset="-122"/>
                 <a:cs typeface="Times New Roman" pitchFamily="18" charset="0"/>
               </a:rPr>
               <a:t>类型处</a:t>
             </a:r>
             <a:r>
-              <a:rPr lang="zh-CN" altLang="en-US" smtClean="0">
+              <a:rPr lang="zh-CN" altLang="en-US" dirty="0" smtClean="0">
                 <a:ea typeface="宋体" pitchFamily="2" charset="-122"/>
                 <a:cs typeface="Times New Roman" pitchFamily="18" charset="0"/>
               </a:rPr>
               <a:t>理。</a:t>
             </a:r>
-            <a:endParaRPr lang="en-US" altLang="zh-CN" smtClean="0">
+            <a:endParaRPr lang="en-US" altLang="zh-CN" dirty="0" smtClean="0">
               <a:ea typeface="宋体" pitchFamily="2" charset="-122"/>
               <a:cs typeface="Times New Roman" pitchFamily="18" charset="0"/>
             </a:endParaRPr>
@@ -33522,7 +33525,7 @@
             <a:pPr>
               <a:defRPr/>
             </a:pPr>
-            <a:endParaRPr lang="en-US" altLang="zh-CN" sz="2000" b="1" smtClean="0">
+            <a:endParaRPr lang="en-US" altLang="zh-CN" sz="2000" b="1" dirty="0" smtClean="0">
               <a:solidFill>
                 <a:srgbClr val="0070C0"/>
               </a:solidFill>
@@ -33533,7 +33536,7 @@
             <a:pPr>
               <a:defRPr/>
             </a:pPr>
-            <a:endParaRPr lang="en-US" altLang="zh-CN" sz="2000" b="1">
+            <a:endParaRPr lang="en-US" altLang="zh-CN" sz="2000" b="1" dirty="0">
               <a:solidFill>
                 <a:srgbClr val="0070C0"/>
               </a:solidFill>
@@ -33544,7 +33547,7 @@
             <a:pPr>
               <a:defRPr/>
             </a:pPr>
-            <a:endParaRPr lang="en-US" altLang="zh-CN" sz="2000" b="1" smtClean="0">
+            <a:endParaRPr lang="en-US" altLang="zh-CN" sz="2000" b="1" dirty="0" smtClean="0">
               <a:solidFill>
                 <a:srgbClr val="0070C0"/>
               </a:solidFill>
@@ -33575,7 +33578,7 @@
           <a:graphicData uri="http://schemas.openxmlformats.org/presentationml/2006/ole">
             <mc:AlternateContent xmlns:mc="http://schemas.openxmlformats.org/markup-compatibility/2006">
               <mc:Choice xmlns:v="urn:schemas-microsoft-com:vml" Requires="v">
-                <p:oleObj spid="_x0000_s8202" name="包装程序外壳对象" showAsIcon="1" r:id="rId4" imgW="826200" imgH="711360" progId="Package">
+                <p:oleObj spid="_x0000_s8203" name="包装程序外壳对象" showAsIcon="1" r:id="rId4" imgW="826200" imgH="711360" progId="Package">
                   <p:embed/>
                 </p:oleObj>
               </mc:Choice>
@@ -33668,14 +33671,7 @@
                 <a:latin typeface="Arial" pitchFamily="34" charset="0"/>
                 <a:cs typeface="Arial" pitchFamily="34" charset="0"/>
               </a:rPr>
-              <a:t>1.5.toInt  </a:t>
-            </a:r>
-            <a:r>
-              <a:rPr lang="en-US" altLang="zh-CN" sz="1600" smtClean="0">
-                <a:latin typeface="Arial" pitchFamily="34" charset="0"/>
-                <a:cs typeface="Arial" pitchFamily="34" charset="0"/>
-              </a:rPr>
-              <a:t>// 36</a:t>
+              <a:t>1.5.toInt  // 36</a:t>
             </a:r>
             <a:r>
               <a:rPr lang="en-US" altLang="zh-CN" sz="1600">
@@ -34286,11 +34282,7 @@
             </a:r>
             <a:r>
               <a:rPr lang="en-US" altLang="zh-CN" sz="1600" smtClean="0"/>
-              <a:t>s-2    </a:t>
-            </a:r>
-            <a:r>
-              <a:rPr lang="en-US" altLang="zh-CN" sz="1600" smtClean="0"/>
-              <a:t>//  error  Int -&gt; Short                </a:t>
+              <a:t>s-2    //  error  Int -&gt; Short                </a:t>
             </a:r>
             <a:endParaRPr lang="en-US" altLang="zh-CN" sz="1600" dirty="0" smtClean="0"/>
           </a:p>
@@ -34306,11 +34298,7 @@
             </a:r>
             <a:r>
               <a:rPr lang="en-US" altLang="zh-CN" sz="1600" smtClean="0"/>
-              <a:t> var b : Byte  = 3   </a:t>
-            </a:r>
-            <a:r>
-              <a:rPr lang="en-US" altLang="zh-CN" sz="1600" smtClean="0"/>
-              <a:t> // ok</a:t>
+              <a:t> var b : Byte  = 3    // ok</a:t>
             </a:r>
             <a:endParaRPr lang="en-US" altLang="zh-CN" sz="1600" dirty="0" smtClean="0"/>
           </a:p>
@@ -34418,11 +34406,7 @@
             </a:r>
             <a:r>
               <a:rPr lang="en-US" altLang="zh-CN" sz="1600" smtClean="0"/>
-              <a:t> </a:t>
-            </a:r>
-            <a:r>
-              <a:rPr lang="en-US" altLang="zh-CN" sz="1600" smtClean="0"/>
-              <a:t> //ok</a:t>
+              <a:t>  //ok</a:t>
             </a:r>
             <a:endParaRPr lang="en-US" altLang="zh-CN" sz="1600" dirty="0"/>
           </a:p>
@@ -34442,11 +34426,7 @@
             </a:r>
             <a:r>
               <a:rPr lang="en-US" altLang="zh-CN" sz="1600" smtClean="0"/>
-              <a:t>5 </a:t>
-            </a:r>
-            <a:r>
-              <a:rPr lang="en-US" altLang="zh-CN" sz="1600" smtClean="0"/>
-              <a:t>//ok</a:t>
+              <a:t>5 //ok</a:t>
             </a:r>
             <a:endParaRPr lang="en-US" altLang="zh-CN" sz="1600" dirty="0"/>
           </a:p>
@@ -34466,11 +34446,7 @@
             </a:r>
             <a:r>
               <a:rPr lang="en-US" altLang="zh-CN" sz="1600" smtClean="0"/>
-              <a:t>: Float = .314F </a:t>
-            </a:r>
-            <a:r>
-              <a:rPr lang="en-US" altLang="zh-CN" sz="1600" smtClean="0"/>
-              <a:t>//ok</a:t>
+              <a:t>: Float = .314F //ok</a:t>
             </a:r>
             <a:endParaRPr lang="en-US" altLang="zh-CN" sz="1600" dirty="0"/>
           </a:p>
@@ -34490,11 +34466,7 @@
             </a:r>
             <a:r>
               <a:rPr lang="en-US" altLang="zh-CN" sz="1600" smtClean="0"/>
-              <a:t>c+i+d     </a:t>
-            </a:r>
-            <a:r>
-              <a:rPr lang="en-US" altLang="zh-CN" sz="1600" smtClean="0"/>
-              <a:t>//ok Float-&gt;Double</a:t>
+              <a:t>c+i+d     //ok Float-&gt;Double</a:t>
             </a:r>
             <a:endParaRPr lang="en-US" altLang="zh-CN" sz="1600" dirty="0"/>
           </a:p>
@@ -34518,11 +34490,7 @@
             </a:r>
             <a:r>
               <a:rPr lang="en-US" altLang="zh-CN" sz="1600" smtClean="0"/>
-              <a:t>5 </a:t>
-            </a:r>
-            <a:r>
-              <a:rPr lang="en-US" altLang="zh-CN" sz="1600" smtClean="0"/>
-              <a:t>// ok</a:t>
+              <a:t>5 // ok</a:t>
             </a:r>
             <a:endParaRPr lang="en-US" altLang="zh-CN" sz="1600" dirty="0"/>
           </a:p>
@@ -34550,11 +34518,7 @@
             </a:r>
             <a:r>
               <a:rPr lang="en-US" altLang="zh-CN" sz="1600" smtClean="0"/>
-              <a:t>3 </a:t>
-            </a:r>
-            <a:r>
-              <a:rPr lang="en-US" altLang="zh-CN" sz="1600" smtClean="0"/>
-              <a:t>//ok</a:t>
+              <a:t>3 //ok</a:t>
             </a:r>
             <a:endParaRPr lang="en-US" altLang="zh-CN" sz="1600" dirty="0"/>
           </a:p>
@@ -34596,7 +34560,6 @@
               <a:rPr lang="en-US" altLang="zh-CN" sz="1600" smtClean="0"/>
               <a:t>error Int-&gt;Short</a:t>
             </a:r>
-            <a:endParaRPr lang="en-US" altLang="zh-CN" sz="1600" smtClean="0"/>
           </a:p>
           <a:p>
             <a:pPr eaLnBrk="1" hangingPunct="1"/>
@@ -35376,13 +35339,7 @@
               <a:rPr lang="zh-CN" altLang="en-US" sz="1600" smtClean="0">
                 <a:ea typeface="宋体" panose="02010600030101010101" pitchFamily="2" charset="-122"/>
               </a:rPr>
-              <a:t>例演示</a:t>
-            </a:r>
-            <a:r>
-              <a:rPr lang="zh-CN" altLang="en-US" sz="1600" smtClean="0">
-                <a:ea typeface="宋体" panose="02010600030101010101" pitchFamily="2" charset="-122"/>
-              </a:rPr>
-              <a:t>：</a:t>
+              <a:t>例演示：</a:t>
             </a:r>
             <a:endParaRPr lang="en-US" altLang="zh-CN" sz="1600" smtClean="0">
               <a:ea typeface="宋体" panose="02010600030101010101" pitchFamily="2" charset="-122"/>
@@ -35398,9 +35355,6 @@
               </a:rPr>
               <a:t>MFC</a:t>
             </a:r>
-            <a:endParaRPr lang="en-US" altLang="zh-CN" sz="1600" smtClean="0">
-              <a:ea typeface="宋体" panose="02010600030101010101" pitchFamily="2" charset="-122"/>
-            </a:endParaRPr>
           </a:p>
           <a:p>
             <a:pPr>
@@ -38429,11 +38383,15 @@
             <a:pPr eaLnBrk="1" hangingPunct="1"/>
             <a:r>
               <a:rPr lang="en-US" altLang="zh-CN" sz="1600" smtClean="0"/>
-              <a:t>hello    </a:t>
-            </a:r>
+              <a:t>hello    // ok</a:t>
+            </a:r>
+            <a:endParaRPr lang="en-US" altLang="zh-CN" sz="1600"/>
+          </a:p>
+          <a:p>
+            <a:pPr eaLnBrk="1" hangingPunct="1"/>
             <a:r>
               <a:rPr lang="en-US" altLang="zh-CN" sz="1600" smtClean="0"/>
-              <a:t>// ok</a:t>
+              <a:t>hello12 // ok</a:t>
             </a:r>
             <a:endParaRPr lang="en-US" altLang="zh-CN" sz="1600"/>
           </a:p>
@@ -38441,35 +38399,15 @@
             <a:pPr eaLnBrk="1" hangingPunct="1"/>
             <a:r>
               <a:rPr lang="en-US" altLang="zh-CN" sz="1600" smtClean="0"/>
-              <a:t>hello12 </a:t>
-            </a:r>
+              <a:t>1hello  // error</a:t>
+            </a:r>
+            <a:endParaRPr lang="en-US" altLang="zh-CN" sz="1600"/>
+          </a:p>
+          <a:p>
+            <a:pPr eaLnBrk="1" hangingPunct="1"/>
             <a:r>
               <a:rPr lang="en-US" altLang="zh-CN" sz="1600" smtClean="0"/>
-              <a:t>// ok</a:t>
-            </a:r>
-            <a:endParaRPr lang="en-US" altLang="zh-CN" sz="1600"/>
-          </a:p>
-          <a:p>
-            <a:pPr eaLnBrk="1" hangingPunct="1"/>
-            <a:r>
-              <a:rPr lang="en-US" altLang="zh-CN" sz="1600" smtClean="0"/>
-              <a:t>1hello  </a:t>
-            </a:r>
-            <a:r>
-              <a:rPr lang="en-US" altLang="zh-CN" sz="1600" smtClean="0"/>
-              <a:t>// error</a:t>
-            </a:r>
-            <a:endParaRPr lang="en-US" altLang="zh-CN" sz="1600"/>
-          </a:p>
-          <a:p>
-            <a:pPr eaLnBrk="1" hangingPunct="1"/>
-            <a:r>
-              <a:rPr lang="en-US" altLang="zh-CN" sz="1600" smtClean="0"/>
-              <a:t>h-b   </a:t>
-            </a:r>
-            <a:r>
-              <a:rPr lang="en-US" altLang="zh-CN" sz="1600" smtClean="0"/>
-              <a:t>// error</a:t>
+              <a:t>h-b   // error</a:t>
             </a:r>
             <a:endParaRPr lang="en-US" altLang="zh-CN" sz="1600"/>
           </a:p>
@@ -38485,23 +38423,15 @@
             </a:r>
             <a:r>
               <a:rPr lang="en-US" altLang="zh-CN" sz="1600" smtClean="0"/>
-              <a:t>  </a:t>
-            </a:r>
+              <a:t>  // error</a:t>
+            </a:r>
+            <a:endParaRPr lang="en-US" altLang="zh-CN" sz="1600"/>
+          </a:p>
+          <a:p>
+            <a:pPr eaLnBrk="1" hangingPunct="1"/>
             <a:r>
               <a:rPr lang="en-US" altLang="zh-CN" sz="1600" smtClean="0"/>
-              <a:t>// error</a:t>
-            </a:r>
-            <a:endParaRPr lang="en-US" altLang="zh-CN" sz="1600"/>
-          </a:p>
-          <a:p>
-            <a:pPr eaLnBrk="1" hangingPunct="1"/>
-            <a:r>
-              <a:rPr lang="en-US" altLang="zh-CN" sz="1600" smtClean="0"/>
-              <a:t>h_4   </a:t>
-            </a:r>
-            <a:r>
-              <a:rPr lang="en-US" altLang="zh-CN" sz="1600" smtClean="0"/>
-              <a:t>// ok</a:t>
+              <a:t>h_4   // ok</a:t>
             </a:r>
             <a:endParaRPr lang="en-US" altLang="zh-CN" sz="1600"/>
           </a:p>
@@ -38517,11 +38447,7 @@
             </a:r>
             <a:r>
               <a:rPr lang="en-US" altLang="zh-CN" sz="1600" smtClean="0"/>
-              <a:t>  </a:t>
-            </a:r>
-            <a:r>
-              <a:rPr lang="en-US" altLang="zh-CN" sz="1600" smtClean="0"/>
-              <a:t>// ok</a:t>
+              <a:t>  // ok</a:t>
             </a:r>
             <a:endParaRPr lang="en-US" altLang="zh-CN" sz="1600"/>
           </a:p>
@@ -38533,11 +38459,7 @@
             </a:r>
             <a:r>
               <a:rPr lang="en-US" altLang="zh-CN" sz="1600" smtClean="0"/>
-              <a:t>nt    </a:t>
-            </a:r>
-            <a:r>
-              <a:rPr lang="en-US" altLang="zh-CN" sz="1600" smtClean="0"/>
-              <a:t>// ok, </a:t>
+              <a:t>nt    // ok, </a:t>
             </a:r>
             <a:r>
               <a:rPr lang="zh-CN" altLang="en-US" sz="1600" smtClean="0"/>
@@ -38581,23 +38503,15 @@
             <a:pPr eaLnBrk="1" hangingPunct="1"/>
             <a:r>
               <a:rPr lang="en-US" altLang="zh-CN" sz="1600" smtClean="0"/>
-              <a:t>Float  </a:t>
-            </a:r>
+              <a:t>Float  // ok</a:t>
+            </a:r>
+            <a:endParaRPr lang="zh-CN" altLang="en-US" sz="1600"/>
+          </a:p>
+          <a:p>
+            <a:pPr eaLnBrk="1" hangingPunct="1"/>
             <a:r>
               <a:rPr lang="en-US" altLang="zh-CN" sz="1600" smtClean="0"/>
-              <a:t>// ok</a:t>
-            </a:r>
-            <a:endParaRPr lang="zh-CN" altLang="en-US" sz="1600"/>
-          </a:p>
-          <a:p>
-            <a:pPr eaLnBrk="1" hangingPunct="1"/>
-            <a:r>
-              <a:rPr lang="en-US" altLang="zh-CN" sz="1600" smtClean="0"/>
-              <a:t>_   </a:t>
-            </a:r>
-            <a:r>
-              <a:rPr lang="en-US" altLang="zh-CN" sz="1600" smtClean="0"/>
-              <a:t>// </a:t>
+              <a:t>_   // </a:t>
             </a:r>
             <a:r>
               <a:rPr lang="zh-CN" altLang="en-US" sz="1600" smtClean="0"/>
@@ -38619,43 +38533,27 @@
               <a:rPr lang="zh-CN" altLang="en-US" sz="1600" smtClean="0"/>
               <a:t>有很多其他的作用，因此不能使用</a:t>
             </a:r>
-            <a:endParaRPr lang="zh-CN" altLang="en-US" sz="1600" smtClean="0"/>
           </a:p>
           <a:p>
             <a:pPr eaLnBrk="1" hangingPunct="1"/>
             <a:r>
               <a:rPr lang="en-US" altLang="zh-CN" sz="1600" smtClean="0"/>
-              <a:t>Abc    </a:t>
-            </a:r>
+              <a:t>Abc    // ok</a:t>
+            </a:r>
+          </a:p>
+          <a:p>
+            <a:pPr eaLnBrk="1" hangingPunct="1"/>
             <a:r>
               <a:rPr lang="en-US" altLang="zh-CN" sz="1600" smtClean="0"/>
-              <a:t>// ok</a:t>
-            </a:r>
-            <a:endParaRPr lang="en-US" altLang="zh-CN" sz="1600" smtClean="0"/>
+              <a:t>+*-   // ok</a:t>
+            </a:r>
           </a:p>
           <a:p>
             <a:pPr eaLnBrk="1" hangingPunct="1"/>
             <a:r>
               <a:rPr lang="en-US" altLang="zh-CN" sz="1600" smtClean="0"/>
-              <a:t>+*-   </a:t>
-            </a:r>
-            <a:r>
-              <a:rPr lang="en-US" altLang="zh-CN" sz="1600" smtClean="0"/>
-              <a:t>// ok</a:t>
-            </a:r>
-            <a:endParaRPr lang="en-US" altLang="zh-CN" sz="1600" smtClean="0"/>
-          </a:p>
-          <a:p>
-            <a:pPr eaLnBrk="1" hangingPunct="1"/>
-            <a:r>
-              <a:rPr lang="en-US" altLang="zh-CN" sz="1600" smtClean="0"/>
-              <a:t>+a  </a:t>
-            </a:r>
-            <a:r>
-              <a:rPr lang="en-US" altLang="zh-CN" sz="1600" smtClean="0"/>
-              <a:t>// error</a:t>
-            </a:r>
-            <a:endParaRPr lang="en-US" altLang="zh-CN" sz="1600" smtClean="0"/>
+              <a:t>+a  // error</a:t>
+            </a:r>
           </a:p>
         </p:txBody>
       </p:sp>
@@ -40958,7 +40856,7 @@
           <a:graphicData uri="http://schemas.openxmlformats.org/presentationml/2006/ole">
             <mc:AlternateContent xmlns:mc="http://schemas.openxmlformats.org/markup-compatibility/2006">
               <mc:Choice xmlns:v="urn:schemas-microsoft-com:vml" Requires="v">
-                <p:oleObj spid="_x0000_s5140" name="包装程序外壳对象" showAsIcon="1" r:id="rId5" imgW="1284120" imgH="711360" progId="Package">
+                <p:oleObj spid="_x0000_s5141" name="包装程序外壳对象" showAsIcon="1" r:id="rId5" imgW="1284120" imgH="711360" progId="Package">
                   <p:embed/>
                 </p:oleObj>
               </mc:Choice>
@@ -41641,7 +41539,7 @@
           <a:graphicData uri="http://schemas.openxmlformats.org/presentationml/2006/ole">
             <mc:AlternateContent xmlns:mc="http://schemas.openxmlformats.org/markup-compatibility/2006">
               <mc:Choice xmlns:v="urn:schemas-microsoft-com:vml" Requires="v">
-                <p:oleObj spid="_x0000_s6165" name="包装程序外壳对象" showAsIcon="1" r:id="rId4" imgW="2390040" imgH="711360" progId="Package">
+                <p:oleObj spid="_x0000_s6166" name="包装程序外壳对象" showAsIcon="1" r:id="rId4" imgW="2390040" imgH="711360" progId="Package">
                   <p:embed/>
                 </p:oleObj>
               </mc:Choice>
